--- a/20180126_SmartCut/20181115_Meeting/20181115 Meeting.pptx
+++ b/20180126_SmartCut/20181115_Meeting/20181115 Meeting.pptx
@@ -5,7 +5,7 @@
     <p:sldMasterId id="2147483648" r:id="rId4"/>
   </p:sldMasterIdLst>
   <p:notesMasterIdLst>
-    <p:notesMasterId r:id="rId21"/>
+    <p:notesMasterId r:id="rId23"/>
   </p:notesMasterIdLst>
   <p:sldIdLst>
     <p:sldId id="314" r:id="rId5"/>
@@ -18,12 +18,14 @@
     <p:sldId id="326" r:id="rId12"/>
     <p:sldId id="327" r:id="rId13"/>
     <p:sldId id="319" r:id="rId14"/>
-    <p:sldId id="329" r:id="rId15"/>
-    <p:sldId id="331" r:id="rId16"/>
-    <p:sldId id="332" r:id="rId17"/>
-    <p:sldId id="336" r:id="rId18"/>
-    <p:sldId id="334" r:id="rId19"/>
-    <p:sldId id="335" r:id="rId20"/>
+    <p:sldId id="338" r:id="rId15"/>
+    <p:sldId id="339" r:id="rId16"/>
+    <p:sldId id="329" r:id="rId17"/>
+    <p:sldId id="331" r:id="rId18"/>
+    <p:sldId id="332" r:id="rId19"/>
+    <p:sldId id="334" r:id="rId20"/>
+    <p:sldId id="336" r:id="rId21"/>
+    <p:sldId id="335" r:id="rId22"/>
   </p:sldIdLst>
   <p:sldSz cx="12192000" cy="6858000"/>
   <p:notesSz cx="6858000" cy="9144000"/>
@@ -556,6 +558,25 @@
           <a:bodyPr/>
           <a:lstStyle/>
           <a:p>
+            <a:r>
+              <a:rPr lang="zh-TW" altLang="en-US" dirty="0" smtClean="0"/>
+              <a:t>程式碼也上升到 </a:t>
+            </a:r>
+            <a:r>
+              <a:rPr lang="en-US" altLang="zh-TW" dirty="0" smtClean="0"/>
+              <a:t>5000</a:t>
+            </a:r>
+            <a:r>
+              <a:rPr lang="zh-TW" altLang="en-US" dirty="0" smtClean="0"/>
+              <a:t> 多行了</a:t>
+            </a:r>
+            <a:endParaRPr lang="en-US" altLang="zh-TW" dirty="0" smtClean="0"/>
+          </a:p>
+          <a:p>
+            <a:r>
+              <a:rPr lang="zh-TW" altLang="en-US" dirty="0" smtClean="0"/>
+              <a:t>越來越難維護</a:t>
+            </a:r>
             <a:endParaRPr lang="zh-TW" altLang="en-US" dirty="0"/>
           </a:p>
         </p:txBody>
@@ -577,7 +598,7 @@
           <a:p>
             <a:fld id="{4B9FA8AB-93ED-4030-B179-2AF13832ABA7}" type="slidenum">
               <a:rPr lang="zh-TW" altLang="en-US" smtClean="0"/>
-              <a:t>6</a:t>
+              <a:t>4</a:t>
             </a:fld>
             <a:endParaRPr lang="zh-TW" altLang="en-US"/>
           </a:p>
@@ -586,7 +607,255 @@
     </p:spTree>
     <p:extLst>
       <p:ext uri="{BB962C8B-B14F-4D97-AF65-F5344CB8AC3E}">
-        <p14:creationId xmlns:p14="http://schemas.microsoft.com/office/powerpoint/2010/main" val="826998038"/>
+        <p14:creationId xmlns:p14="http://schemas.microsoft.com/office/powerpoint/2010/main" val="2009083618"/>
+      </p:ext>
+    </p:extLst>
+  </p:cSld>
+  <p:clrMapOvr>
+    <a:masterClrMapping/>
+  </p:clrMapOvr>
+</p:notes>
+</file>
+
+<file path=ppt/notesSlides/notesSlide10.xml><?xml version="1.0" encoding="utf-8"?>
+<p:notes xmlns:a="http://schemas.openxmlformats.org/drawingml/2006/main" xmlns:r="http://schemas.openxmlformats.org/officeDocument/2006/relationships" xmlns:p="http://schemas.openxmlformats.org/presentationml/2006/main">
+  <p:cSld>
+    <p:spTree>
+      <p:nvGrpSpPr>
+        <p:cNvPr id="1" name=""/>
+        <p:cNvGrpSpPr/>
+        <p:nvPr/>
+      </p:nvGrpSpPr>
+      <p:grpSpPr>
+        <a:xfrm>
+          <a:off x="0" y="0"/>
+          <a:ext cx="0" cy="0"/>
+          <a:chOff x="0" y="0"/>
+          <a:chExt cx="0" cy="0"/>
+        </a:xfrm>
+      </p:grpSpPr>
+      <p:sp>
+        <p:nvSpPr>
+          <p:cNvPr id="2" name="投影片圖像版面配置區 1"/>
+          <p:cNvSpPr>
+            <a:spLocks noGrp="1" noRot="1" noChangeAspect="1"/>
+          </p:cNvSpPr>
+          <p:nvPr>
+            <p:ph type="sldImg"/>
+          </p:nvPr>
+        </p:nvSpPr>
+        <p:spPr/>
+      </p:sp>
+      <p:sp>
+        <p:nvSpPr>
+          <p:cNvPr id="3" name="備忘稿版面配置區 2"/>
+          <p:cNvSpPr>
+            <a:spLocks noGrp="1"/>
+          </p:cNvSpPr>
+          <p:nvPr>
+            <p:ph type="body" idx="1"/>
+          </p:nvPr>
+        </p:nvSpPr>
+        <p:spPr/>
+        <p:txBody>
+          <a:bodyPr/>
+          <a:lstStyle/>
+          <a:p>
+            <a:r>
+              <a:rPr lang="zh-TW" altLang="en-US" dirty="0" smtClean="0">
+                <a:effectLst/>
+              </a:rPr>
+              <a:t>對於一個程式首先要做的絕對不是直接上</a:t>
+            </a:r>
+          </a:p>
+          <a:p>
+            <a:r>
+              <a:rPr lang="zh-TW" altLang="en-US" dirty="0" smtClean="0">
+                <a:effectLst/>
+              </a:rPr>
+              <a:t>目的 </a:t>
+            </a:r>
+            <a:r>
+              <a:rPr lang="en-US" altLang="zh-TW" dirty="0" smtClean="0">
+                <a:effectLst/>
+              </a:rPr>
+              <a:t>=&gt; </a:t>
+            </a:r>
+            <a:r>
+              <a:rPr lang="zh-TW" altLang="en-US" dirty="0" smtClean="0">
+                <a:effectLst/>
+              </a:rPr>
+              <a:t>理論 </a:t>
+            </a:r>
+            <a:r>
+              <a:rPr lang="en-US" altLang="zh-TW" dirty="0" smtClean="0">
+                <a:effectLst/>
+              </a:rPr>
+              <a:t>=&gt; </a:t>
+            </a:r>
+            <a:r>
+              <a:rPr lang="zh-TW" altLang="en-US" dirty="0" smtClean="0">
+                <a:effectLst/>
+              </a:rPr>
+              <a:t>實作</a:t>
+            </a:r>
+          </a:p>
+          <a:p>
+            <a:r>
+              <a:rPr lang="zh-TW" altLang="en-US" dirty="0" smtClean="0">
+                <a:effectLst/>
+              </a:rPr>
+              <a:t>而是要做什麼</a:t>
+            </a:r>
+          </a:p>
+          <a:p>
+            <a:r>
+              <a:rPr lang="zh-TW" altLang="en-US" dirty="0" smtClean="0">
+                <a:effectLst/>
+              </a:rPr>
+              <a:t>以及要達到目標的研究功能</a:t>
+            </a:r>
+          </a:p>
+          <a:p>
+            <a:endParaRPr lang="zh-TW" altLang="en-US" dirty="0"/>
+          </a:p>
+        </p:txBody>
+      </p:sp>
+      <p:sp>
+        <p:nvSpPr>
+          <p:cNvPr id="4" name="投影片編號版面配置區 3"/>
+          <p:cNvSpPr>
+            <a:spLocks noGrp="1"/>
+          </p:cNvSpPr>
+          <p:nvPr>
+            <p:ph type="sldNum" sz="quarter" idx="10"/>
+          </p:nvPr>
+        </p:nvSpPr>
+        <p:spPr/>
+        <p:txBody>
+          <a:bodyPr/>
+          <a:lstStyle/>
+          <a:p>
+            <a:fld id="{4B9FA8AB-93ED-4030-B179-2AF13832ABA7}" type="slidenum">
+              <a:rPr lang="zh-TW" altLang="en-US" smtClean="0"/>
+              <a:t>17</a:t>
+            </a:fld>
+            <a:endParaRPr lang="zh-TW" altLang="en-US"/>
+          </a:p>
+        </p:txBody>
+      </p:sp>
+    </p:spTree>
+    <p:extLst>
+      <p:ext uri="{BB962C8B-B14F-4D97-AF65-F5344CB8AC3E}">
+        <p14:creationId xmlns:p14="http://schemas.microsoft.com/office/powerpoint/2010/main" val="2490825836"/>
+      </p:ext>
+    </p:extLst>
+  </p:cSld>
+  <p:clrMapOvr>
+    <a:masterClrMapping/>
+  </p:clrMapOvr>
+</p:notes>
+</file>
+
+<file path=ppt/notesSlides/notesSlide11.xml><?xml version="1.0" encoding="utf-8"?>
+<p:notes xmlns:a="http://schemas.openxmlformats.org/drawingml/2006/main" xmlns:r="http://schemas.openxmlformats.org/officeDocument/2006/relationships" xmlns:p="http://schemas.openxmlformats.org/presentationml/2006/main">
+  <p:cSld>
+    <p:spTree>
+      <p:nvGrpSpPr>
+        <p:cNvPr id="1" name=""/>
+        <p:cNvGrpSpPr/>
+        <p:nvPr/>
+      </p:nvGrpSpPr>
+      <p:grpSpPr>
+        <a:xfrm>
+          <a:off x="0" y="0"/>
+          <a:ext cx="0" cy="0"/>
+          <a:chOff x="0" y="0"/>
+          <a:chExt cx="0" cy="0"/>
+        </a:xfrm>
+      </p:grpSpPr>
+      <p:sp>
+        <p:nvSpPr>
+          <p:cNvPr id="2" name="投影片圖像版面配置區 1"/>
+          <p:cNvSpPr>
+            <a:spLocks noGrp="1" noRot="1" noChangeAspect="1"/>
+          </p:cNvSpPr>
+          <p:nvPr>
+            <p:ph type="sldImg"/>
+          </p:nvPr>
+        </p:nvSpPr>
+        <p:spPr/>
+      </p:sp>
+      <p:sp>
+        <p:nvSpPr>
+          <p:cNvPr id="3" name="備忘稿版面配置區 2"/>
+          <p:cNvSpPr>
+            <a:spLocks noGrp="1"/>
+          </p:cNvSpPr>
+          <p:nvPr>
+            <p:ph type="body" idx="1"/>
+          </p:nvPr>
+        </p:nvSpPr>
+        <p:spPr/>
+        <p:txBody>
+          <a:bodyPr/>
+          <a:lstStyle/>
+          <a:p>
+            <a:r>
+              <a:rPr lang="zh-TW" altLang="en-US" dirty="0" smtClean="0">
+                <a:effectLst/>
+              </a:rPr>
+              <a:t>類人經網路的輸入輸出蠻重要的</a:t>
+            </a:r>
+          </a:p>
+          <a:p>
+            <a:r>
+              <a:rPr lang="zh-TW" altLang="en-US" dirty="0" smtClean="0">
+                <a:effectLst/>
+              </a:rPr>
+              <a:t>輸出不一定要直接是結果 可以是重要參數</a:t>
+            </a:r>
+          </a:p>
+          <a:p>
+            <a:r>
+              <a:rPr lang="zh-TW" altLang="en-US" dirty="0" smtClean="0">
+                <a:effectLst/>
+              </a:rPr>
+              <a:t>再用演算法得到解</a:t>
+            </a:r>
+          </a:p>
+          <a:p>
+            <a:endParaRPr lang="zh-TW" altLang="en-US" dirty="0"/>
+          </a:p>
+        </p:txBody>
+      </p:sp>
+      <p:sp>
+        <p:nvSpPr>
+          <p:cNvPr id="4" name="投影片編號版面配置區 3"/>
+          <p:cNvSpPr>
+            <a:spLocks noGrp="1"/>
+          </p:cNvSpPr>
+          <p:nvPr>
+            <p:ph type="sldNum" sz="quarter" idx="10"/>
+          </p:nvPr>
+        </p:nvSpPr>
+        <p:spPr/>
+        <p:txBody>
+          <a:bodyPr/>
+          <a:lstStyle/>
+          <a:p>
+            <a:fld id="{4B9FA8AB-93ED-4030-B179-2AF13832ABA7}" type="slidenum">
+              <a:rPr lang="zh-TW" altLang="en-US" smtClean="0"/>
+              <a:t>18</a:t>
+            </a:fld>
+            <a:endParaRPr lang="zh-TW" altLang="en-US"/>
+          </a:p>
+        </p:txBody>
+      </p:sp>
+    </p:spTree>
+    <p:extLst>
+      <p:ext uri="{BB962C8B-B14F-4D97-AF65-F5344CB8AC3E}">
+        <p14:creationId xmlns:p14="http://schemas.microsoft.com/office/powerpoint/2010/main" val="2813208419"/>
       </p:ext>
     </p:extLst>
   </p:cSld>
@@ -661,7 +930,7 @@
           <a:p>
             <a:fld id="{4B9FA8AB-93ED-4030-B179-2AF13832ABA7}" type="slidenum">
               <a:rPr lang="zh-TW" altLang="en-US" smtClean="0"/>
-              <a:t>7</a:t>
+              <a:t>6</a:t>
             </a:fld>
             <a:endParaRPr lang="zh-TW" altLang="en-US"/>
           </a:p>
@@ -670,7 +939,7 @@
     </p:spTree>
     <p:extLst>
       <p:ext uri="{BB962C8B-B14F-4D97-AF65-F5344CB8AC3E}">
-        <p14:creationId xmlns:p14="http://schemas.microsoft.com/office/powerpoint/2010/main" val="728766402"/>
+        <p14:creationId xmlns:p14="http://schemas.microsoft.com/office/powerpoint/2010/main" val="826998038"/>
       </p:ext>
     </p:extLst>
   </p:cSld>
@@ -745,7 +1014,7 @@
           <a:p>
             <a:fld id="{4B9FA8AB-93ED-4030-B179-2AF13832ABA7}" type="slidenum">
               <a:rPr lang="zh-TW" altLang="en-US" smtClean="0"/>
-              <a:t>8</a:t>
+              <a:t>7</a:t>
             </a:fld>
             <a:endParaRPr lang="zh-TW" altLang="en-US"/>
           </a:p>
@@ -754,7 +1023,7 @@
     </p:spTree>
     <p:extLst>
       <p:ext uri="{BB962C8B-B14F-4D97-AF65-F5344CB8AC3E}">
-        <p14:creationId xmlns:p14="http://schemas.microsoft.com/office/powerpoint/2010/main" val="1632522104"/>
+        <p14:creationId xmlns:p14="http://schemas.microsoft.com/office/powerpoint/2010/main" val="728766402"/>
       </p:ext>
     </p:extLst>
   </p:cSld>
@@ -829,7 +1098,7 @@
           <a:p>
             <a:fld id="{4B9FA8AB-93ED-4030-B179-2AF13832ABA7}" type="slidenum">
               <a:rPr lang="zh-TW" altLang="en-US" smtClean="0"/>
-              <a:t>9</a:t>
+              <a:t>8</a:t>
             </a:fld>
             <a:endParaRPr lang="zh-TW" altLang="en-US"/>
           </a:p>
@@ -838,7 +1107,7 @@
     </p:spTree>
     <p:extLst>
       <p:ext uri="{BB962C8B-B14F-4D97-AF65-F5344CB8AC3E}">
-        <p14:creationId xmlns:p14="http://schemas.microsoft.com/office/powerpoint/2010/main" val="4148465714"/>
+        <p14:creationId xmlns:p14="http://schemas.microsoft.com/office/powerpoint/2010/main" val="1632522104"/>
       </p:ext>
     </p:extLst>
   </p:cSld>
@@ -892,97 +1161,6 @@
           <a:bodyPr/>
           <a:lstStyle/>
           <a:p>
-            <a:r>
-              <a:rPr lang="zh-TW" altLang="en-US" dirty="0" smtClean="0">
-                <a:effectLst/>
-              </a:rPr>
-              <a:t>動力歷時 </a:t>
-            </a:r>
-            <a:r>
-              <a:rPr lang="en-US" altLang="zh-TW" dirty="0" smtClean="0">
-                <a:effectLst/>
-              </a:rPr>
-              <a:t>- </a:t>
-            </a:r>
-            <a:r>
-              <a:rPr lang="zh-TW" altLang="en-US" dirty="0" smtClean="0">
-                <a:effectLst/>
-              </a:rPr>
-              <a:t>關於歷時的選擇</a:t>
-            </a:r>
-          </a:p>
-          <a:p>
-            <a:pPr lvl="1"/>
-            <a:r>
-              <a:rPr lang="zh-TW" altLang="en-US" dirty="0" smtClean="0">
-                <a:effectLst/>
-              </a:rPr>
-              <a:t>專案的周圍的地震</a:t>
-            </a:r>
-          </a:p>
-          <a:p>
-            <a:pPr lvl="1"/>
-            <a:r>
-              <a:rPr lang="zh-TW" altLang="en-US" dirty="0" smtClean="0">
-                <a:effectLst/>
-              </a:rPr>
-              <a:t>與反應譜擬和</a:t>
-            </a:r>
-          </a:p>
-          <a:p>
-            <a:pPr lvl="1"/>
-            <a:r>
-              <a:rPr lang="en-US" altLang="zh-TW" dirty="0" smtClean="0">
-                <a:effectLst/>
-              </a:rPr>
-              <a:t>3 </a:t>
-            </a:r>
-            <a:r>
-              <a:rPr lang="zh-TW" altLang="en-US" dirty="0" smtClean="0">
-                <a:effectLst/>
-              </a:rPr>
-              <a:t>筆最大的 或 </a:t>
-            </a:r>
-            <a:r>
-              <a:rPr lang="en-US" altLang="zh-TW" dirty="0" smtClean="0">
-                <a:effectLst/>
-              </a:rPr>
-              <a:t>7 </a:t>
-            </a:r>
-            <a:r>
-              <a:rPr lang="zh-TW" altLang="en-US" dirty="0" smtClean="0">
-                <a:effectLst/>
-              </a:rPr>
-              <a:t>筆平均的</a:t>
-            </a:r>
-          </a:p>
-          <a:p>
-            <a:r>
-              <a:rPr lang="zh-TW" altLang="en-US" dirty="0" smtClean="0">
-                <a:effectLst/>
-              </a:rPr>
-              <a:t>讓我想到我的論文的方向</a:t>
-            </a:r>
-          </a:p>
-          <a:p>
-            <a:pPr lvl="1"/>
-            <a:r>
-              <a:rPr lang="zh-TW" altLang="en-US" dirty="0" smtClean="0">
-                <a:effectLst/>
-              </a:rPr>
-              <a:t>應該先照著規範做一次</a:t>
-            </a:r>
-          </a:p>
-          <a:p>
-            <a:pPr lvl="1"/>
-            <a:r>
-              <a:rPr lang="zh-TW" altLang="en-US" dirty="0" smtClean="0">
-                <a:effectLst/>
-              </a:rPr>
-              <a:t>然後呢</a:t>
-            </a:r>
-          </a:p>
-          <a:p>
             <a:endParaRPr lang="zh-TW" altLang="en-US" dirty="0"/>
           </a:p>
         </p:txBody>
@@ -1004,7 +1182,7 @@
           <a:p>
             <a:fld id="{4B9FA8AB-93ED-4030-B179-2AF13832ABA7}" type="slidenum">
               <a:rPr lang="zh-TW" altLang="en-US" smtClean="0"/>
-              <a:t>12</a:t>
+              <a:t>9</a:t>
             </a:fld>
             <a:endParaRPr lang="zh-TW" altLang="en-US"/>
           </a:p>
@@ -1013,7 +1191,7 @@
     </p:spTree>
     <p:extLst>
       <p:ext uri="{BB962C8B-B14F-4D97-AF65-F5344CB8AC3E}">
-        <p14:creationId xmlns:p14="http://schemas.microsoft.com/office/powerpoint/2010/main" val="236170933"/>
+        <p14:creationId xmlns:p14="http://schemas.microsoft.com/office/powerpoint/2010/main" val="4148465714"/>
       </p:ext>
     </p:extLst>
   </p:cSld>
@@ -1068,9 +1246,122 @@
           <a:lstStyle/>
           <a:p>
             <a:r>
+              <a:rPr lang="zh-TW" altLang="en-US" dirty="0" smtClean="0">
+                <a:effectLst/>
+              </a:rPr>
+              <a:t>動力歷時 </a:t>
+            </a:r>
+            <a:r>
+              <a:rPr lang="en-US" altLang="zh-TW" dirty="0" smtClean="0">
+                <a:effectLst/>
+              </a:rPr>
+              <a:t>- </a:t>
+            </a:r>
+            <a:r>
+              <a:rPr lang="zh-TW" altLang="en-US" dirty="0" smtClean="0">
+                <a:effectLst/>
+              </a:rPr>
+              <a:t>關於歷時的選擇</a:t>
+            </a:r>
+          </a:p>
+          <a:p>
+            <a:pPr lvl="1"/>
+            <a:r>
+              <a:rPr lang="zh-TW" altLang="en-US" dirty="0" smtClean="0">
+                <a:effectLst/>
+              </a:rPr>
+              <a:t>專案的周圍的地震</a:t>
+            </a:r>
+          </a:p>
+          <a:p>
+            <a:pPr lvl="1"/>
+            <a:r>
+              <a:rPr lang="zh-TW" altLang="en-US" dirty="0" smtClean="0">
+                <a:effectLst/>
+              </a:rPr>
+              <a:t>與反應譜擬和</a:t>
+            </a:r>
+          </a:p>
+          <a:p>
+            <a:pPr lvl="1"/>
+            <a:r>
+              <a:rPr lang="en-US" altLang="zh-TW" dirty="0" smtClean="0">
+                <a:effectLst/>
+              </a:rPr>
+              <a:t>3 </a:t>
+            </a:r>
+            <a:r>
+              <a:rPr lang="zh-TW" altLang="en-US" dirty="0" smtClean="0">
+                <a:effectLst/>
+              </a:rPr>
+              <a:t>筆最大的 或 </a:t>
+            </a:r>
+            <a:r>
+              <a:rPr lang="en-US" altLang="zh-TW" dirty="0" smtClean="0">
+                <a:effectLst/>
+              </a:rPr>
+              <a:t>7 </a:t>
+            </a:r>
+            <a:r>
+              <a:rPr lang="zh-TW" altLang="en-US" dirty="0" smtClean="0">
+                <a:effectLst/>
+              </a:rPr>
+              <a:t>筆平均的</a:t>
+            </a:r>
+          </a:p>
+          <a:p>
+            <a:r>
+              <a:rPr lang="zh-TW" altLang="en-US" dirty="0" smtClean="0">
+                <a:effectLst/>
+              </a:rPr>
+              <a:t>讓我想到我的論文的方向</a:t>
+            </a:r>
+          </a:p>
+          <a:p>
+            <a:pPr lvl="1"/>
+            <a:r>
+              <a:rPr lang="zh-TW" altLang="en-US" dirty="0" smtClean="0">
+                <a:effectLst/>
+              </a:rPr>
+              <a:t>應該先照著規範做一次</a:t>
+            </a:r>
+          </a:p>
+          <a:p>
+            <a:pPr lvl="1"/>
+            <a:r>
+              <a:rPr lang="zh-TW" altLang="en-US" dirty="0" smtClean="0">
+                <a:effectLst/>
+              </a:rPr>
+              <a:t>然後呢</a:t>
+            </a:r>
+          </a:p>
+          <a:p>
+            <a:endParaRPr lang="en-US" altLang="zh-TW" dirty="0" smtClean="0"/>
+          </a:p>
+          <a:p>
+            <a:pPr marL="0" marR="0" indent="0" algn="l" defTabSz="914400" rtl="0" eaLnBrk="1" fontAlgn="auto" latinLnBrk="0" hangingPunct="1">
+              <a:lnSpc>
+                <a:spcPct val="100000"/>
+              </a:lnSpc>
+              <a:spcBef>
+                <a:spcPts val="0"/>
+              </a:spcBef>
+              <a:spcAft>
+                <a:spcPts val="0"/>
+              </a:spcAft>
+              <a:buClrTx/>
+              <a:buSzTx/>
+              <a:buFontTx/>
+              <a:buNone/>
+              <a:tabLst/>
+              <a:defRPr/>
+            </a:pPr>
+            <a:r>
               <a:rPr lang="zh-TW" altLang="en-US" dirty="0" smtClean="0"/>
-              <a:t>地震擬和的方式 怎樣比較合理 </a:t>
-            </a:r>
+              <a:t>地震擬合的方式 怎樣比較合理 </a:t>
+            </a:r>
+          </a:p>
+          <a:p>
             <a:endParaRPr lang="zh-TW" altLang="en-US" dirty="0"/>
           </a:p>
         </p:txBody>
@@ -1092,7 +1383,7 @@
           <a:p>
             <a:fld id="{4B9FA8AB-93ED-4030-B179-2AF13832ABA7}" type="slidenum">
               <a:rPr lang="zh-TW" altLang="en-US" smtClean="0"/>
-              <a:t>13</a:t>
+              <a:t>11</a:t>
             </a:fld>
             <a:endParaRPr lang="zh-TW" altLang="en-US"/>
           </a:p>
@@ -1101,7 +1392,7 @@
     </p:spTree>
     <p:extLst>
       <p:ext uri="{BB962C8B-B14F-4D97-AF65-F5344CB8AC3E}">
-        <p14:creationId xmlns:p14="http://schemas.microsoft.com/office/powerpoint/2010/main" val="1039216538"/>
+        <p14:creationId xmlns:p14="http://schemas.microsoft.com/office/powerpoint/2010/main" val="3138184036"/>
       </p:ext>
     </p:extLst>
   </p:cSld>
@@ -1209,6 +1500,43 @@
               </a:rPr>
               <a:t>以及要達到目標的研究功能</a:t>
             </a:r>
+            <a:endParaRPr lang="en-US" altLang="zh-TW" dirty="0" smtClean="0">
+              <a:effectLst/>
+            </a:endParaRPr>
+          </a:p>
+          <a:p>
+            <a:endParaRPr lang="en-US" altLang="zh-TW" dirty="0" smtClean="0">
+              <a:effectLst/>
+            </a:endParaRPr>
+          </a:p>
+          <a:p>
+            <a:r>
+              <a:rPr lang="zh-TW" altLang="en-US" dirty="0" smtClean="0">
+                <a:effectLst/>
+              </a:rPr>
+              <a:t>類人經網路的輸入輸出蠻重要的</a:t>
+            </a:r>
+          </a:p>
+          <a:p>
+            <a:r>
+              <a:rPr lang="zh-TW" altLang="en-US" dirty="0" smtClean="0">
+                <a:effectLst/>
+              </a:rPr>
+              <a:t>輸出不一定要直接是結果 可以是重要參數</a:t>
+            </a:r>
+          </a:p>
+          <a:p>
+            <a:r>
+              <a:rPr lang="zh-TW" altLang="en-US" dirty="0" smtClean="0">
+                <a:effectLst/>
+              </a:rPr>
+              <a:t>再用演算法得到解</a:t>
+            </a:r>
+          </a:p>
+          <a:p>
+            <a:endParaRPr lang="zh-TW" altLang="en-US" dirty="0" smtClean="0">
+              <a:effectLst/>
+            </a:endParaRPr>
           </a:p>
           <a:p>
             <a:endParaRPr lang="zh-TW" altLang="en-US" dirty="0"/>
@@ -1232,7 +1560,7 @@
           <a:p>
             <a:fld id="{4B9FA8AB-93ED-4030-B179-2AF13832ABA7}" type="slidenum">
               <a:rPr lang="zh-TW" altLang="en-US" smtClean="0"/>
-              <a:t>14</a:t>
+              <a:t>12</a:t>
             </a:fld>
             <a:endParaRPr lang="zh-TW" altLang="en-US"/>
           </a:p>
@@ -1241,7 +1569,7 @@
     </p:spTree>
     <p:extLst>
       <p:ext uri="{BB962C8B-B14F-4D97-AF65-F5344CB8AC3E}">
-        <p14:creationId xmlns:p14="http://schemas.microsoft.com/office/powerpoint/2010/main" val="2490825836"/>
+        <p14:creationId xmlns:p14="http://schemas.microsoft.com/office/powerpoint/2010/main" val="2745760248"/>
       </p:ext>
     </p:extLst>
   </p:cSld>
@@ -1299,32 +1627,90 @@
               <a:rPr lang="zh-TW" altLang="en-US" dirty="0" smtClean="0">
                 <a:effectLst/>
               </a:rPr>
-              <a:t>類人經網路的輸入輸出蠻重要的</a:t>
-            </a:r>
-          </a:p>
-          <a:p>
+              <a:t>動力歷時 </a:t>
+            </a:r>
+            <a:r>
+              <a:rPr lang="en-US" altLang="zh-TW" dirty="0" smtClean="0">
+                <a:effectLst/>
+              </a:rPr>
+              <a:t>- </a:t>
+            </a:r>
             <a:r>
               <a:rPr lang="zh-TW" altLang="en-US" dirty="0" smtClean="0">
                 <a:effectLst/>
               </a:rPr>
-              <a:t>輸出不一定要直接是結果 可以是</a:t>
-            </a:r>
-            <a:r>
-              <a:rPr lang="zh-TW" altLang="en-US" smtClean="0">
-                <a:effectLst/>
-              </a:rPr>
-              <a:t>重要參數</a:t>
-            </a:r>
-            <a:endParaRPr lang="zh-TW" altLang="en-US" dirty="0" smtClean="0">
-              <a:effectLst/>
-            </a:endParaRPr>
-          </a:p>
-          <a:p>
+              <a:t>關於歷時的選擇</a:t>
+            </a:r>
+          </a:p>
+          <a:p>
+            <a:pPr lvl="1"/>
             <a:r>
               <a:rPr lang="zh-TW" altLang="en-US" dirty="0" smtClean="0">
                 <a:effectLst/>
               </a:rPr>
-              <a:t>再用演算法得到解</a:t>
+              <a:t>專案的周圍的地震</a:t>
+            </a:r>
+          </a:p>
+          <a:p>
+            <a:pPr lvl="1"/>
+            <a:r>
+              <a:rPr lang="zh-TW" altLang="en-US" dirty="0" smtClean="0">
+                <a:effectLst/>
+              </a:rPr>
+              <a:t>與反應譜擬和</a:t>
+            </a:r>
+          </a:p>
+          <a:p>
+            <a:pPr lvl="1"/>
+            <a:r>
+              <a:rPr lang="en-US" altLang="zh-TW" dirty="0" smtClean="0">
+                <a:effectLst/>
+              </a:rPr>
+              <a:t>3 </a:t>
+            </a:r>
+            <a:r>
+              <a:rPr lang="zh-TW" altLang="en-US" dirty="0" smtClean="0">
+                <a:effectLst/>
+              </a:rPr>
+              <a:t>筆最大的 或 </a:t>
+            </a:r>
+            <a:r>
+              <a:rPr lang="en-US" altLang="zh-TW" dirty="0" smtClean="0">
+                <a:effectLst/>
+              </a:rPr>
+              <a:t>7 </a:t>
+            </a:r>
+            <a:r>
+              <a:rPr lang="zh-TW" altLang="en-US" dirty="0" smtClean="0">
+                <a:effectLst/>
+              </a:rPr>
+              <a:t>筆平均的</a:t>
+            </a:r>
+          </a:p>
+          <a:p>
+            <a:r>
+              <a:rPr lang="zh-TW" altLang="en-US" dirty="0" smtClean="0">
+                <a:effectLst/>
+              </a:rPr>
+              <a:t>讓我想到我的論文的方向</a:t>
+            </a:r>
+          </a:p>
+          <a:p>
+            <a:pPr lvl="1"/>
+            <a:r>
+              <a:rPr lang="zh-TW" altLang="en-US" dirty="0" smtClean="0">
+                <a:effectLst/>
+              </a:rPr>
+              <a:t>應該先照著規範做一次</a:t>
+            </a:r>
+          </a:p>
+          <a:p>
+            <a:pPr lvl="1"/>
+            <a:r>
+              <a:rPr lang="zh-TW" altLang="en-US" dirty="0" smtClean="0">
+                <a:effectLst/>
+              </a:rPr>
+              <a:t>然後呢</a:t>
             </a:r>
           </a:p>
           <a:p>
@@ -1349,7 +1735,7 @@
           <a:p>
             <a:fld id="{4B9FA8AB-93ED-4030-B179-2AF13832ABA7}" type="slidenum">
               <a:rPr lang="zh-TW" altLang="en-US" smtClean="0"/>
-              <a:t>16</a:t>
+              <a:t>14</a:t>
             </a:fld>
             <a:endParaRPr lang="zh-TW" altLang="en-US"/>
           </a:p>
@@ -1358,7 +1744,95 @@
     </p:spTree>
     <p:extLst>
       <p:ext uri="{BB962C8B-B14F-4D97-AF65-F5344CB8AC3E}">
-        <p14:creationId xmlns:p14="http://schemas.microsoft.com/office/powerpoint/2010/main" val="2813208419"/>
+        <p14:creationId xmlns:p14="http://schemas.microsoft.com/office/powerpoint/2010/main" val="236170933"/>
+      </p:ext>
+    </p:extLst>
+  </p:cSld>
+  <p:clrMapOvr>
+    <a:masterClrMapping/>
+  </p:clrMapOvr>
+</p:notes>
+</file>
+
+<file path=ppt/notesSlides/notesSlide9.xml><?xml version="1.0" encoding="utf-8"?>
+<p:notes xmlns:a="http://schemas.openxmlformats.org/drawingml/2006/main" xmlns:r="http://schemas.openxmlformats.org/officeDocument/2006/relationships" xmlns:p="http://schemas.openxmlformats.org/presentationml/2006/main">
+  <p:cSld>
+    <p:spTree>
+      <p:nvGrpSpPr>
+        <p:cNvPr id="1" name=""/>
+        <p:cNvGrpSpPr/>
+        <p:nvPr/>
+      </p:nvGrpSpPr>
+      <p:grpSpPr>
+        <a:xfrm>
+          <a:off x="0" y="0"/>
+          <a:ext cx="0" cy="0"/>
+          <a:chOff x="0" y="0"/>
+          <a:chExt cx="0" cy="0"/>
+        </a:xfrm>
+      </p:grpSpPr>
+      <p:sp>
+        <p:nvSpPr>
+          <p:cNvPr id="2" name="投影片圖像版面配置區 1"/>
+          <p:cNvSpPr>
+            <a:spLocks noGrp="1" noRot="1" noChangeAspect="1"/>
+          </p:cNvSpPr>
+          <p:nvPr>
+            <p:ph type="sldImg"/>
+          </p:nvPr>
+        </p:nvSpPr>
+        <p:spPr/>
+      </p:sp>
+      <p:sp>
+        <p:nvSpPr>
+          <p:cNvPr id="3" name="備忘稿版面配置區 2"/>
+          <p:cNvSpPr>
+            <a:spLocks noGrp="1"/>
+          </p:cNvSpPr>
+          <p:nvPr>
+            <p:ph type="body" idx="1"/>
+          </p:nvPr>
+        </p:nvSpPr>
+        <p:spPr/>
+        <p:txBody>
+          <a:bodyPr/>
+          <a:lstStyle/>
+          <a:p>
+            <a:r>
+              <a:rPr lang="zh-TW" altLang="en-US" dirty="0" smtClean="0"/>
+              <a:t>地震擬和的方式 怎樣比較合理 </a:t>
+            </a:r>
+            <a:endParaRPr lang="zh-TW" altLang="en-US" dirty="0"/>
+          </a:p>
+        </p:txBody>
+      </p:sp>
+      <p:sp>
+        <p:nvSpPr>
+          <p:cNvPr id="4" name="投影片編號版面配置區 3"/>
+          <p:cNvSpPr>
+            <a:spLocks noGrp="1"/>
+          </p:cNvSpPr>
+          <p:nvPr>
+            <p:ph type="sldNum" sz="quarter" idx="10"/>
+          </p:nvPr>
+        </p:nvSpPr>
+        <p:spPr/>
+        <p:txBody>
+          <a:bodyPr/>
+          <a:lstStyle/>
+          <a:p>
+            <a:fld id="{4B9FA8AB-93ED-4030-B179-2AF13832ABA7}" type="slidenum">
+              <a:rPr lang="zh-TW" altLang="en-US" smtClean="0"/>
+              <a:t>15</a:t>
+            </a:fld>
+            <a:endParaRPr lang="zh-TW" altLang="en-US"/>
+          </a:p>
+        </p:txBody>
+      </p:sp>
+    </p:spTree>
+    <p:extLst>
+      <p:ext uri="{BB962C8B-B14F-4D97-AF65-F5344CB8AC3E}">
+        <p14:creationId xmlns:p14="http://schemas.microsoft.com/office/powerpoint/2010/main" val="1039216538"/>
       </p:ext>
     </p:extLst>
   </p:cSld>
@@ -23100,14 +23574,7 @@
                 <a:latin typeface="Segoe UI" panose="020B0502040204020203" pitchFamily="34" charset="0"/>
                 <a:cs typeface="Segoe UI" panose="020B0502040204020203" pitchFamily="34" charset="0"/>
               </a:rPr>
-              <a:t> </a:t>
-            </a:r>
-            <a:r>
-              <a:rPr lang="fr-FR" sz="3600" spc="600" dirty="0" smtClean="0">
-                <a:latin typeface="Segoe UI" panose="020B0502040204020203" pitchFamily="34" charset="0"/>
-                <a:cs typeface="Segoe UI" panose="020B0502040204020203" pitchFamily="34" charset="0"/>
-              </a:rPr>
-              <a:t>REBAR</a:t>
+              <a:t> REBAR</a:t>
             </a:r>
             <a:r>
               <a:rPr lang="en-US" altLang="zh-TW" sz="3600" spc="600" dirty="0" smtClean="0">
@@ -23421,6 +23888,13 @@
       </p:transition>
     </mc:Fallback>
   </mc:AlternateContent>
+  <p:timing>
+    <p:tnLst>
+      <p:par>
+        <p:cTn id="1" dur="indefinite" restart="never" nodeType="tmRoot"/>
+      </p:par>
+    </p:tnLst>
+  </p:timing>
 </p:sld>
 </file>
 
@@ -24823,11 +25297,6 @@
               </a:rPr>
               <a:t>MILESTONE</a:t>
             </a:r>
-            <a:endParaRPr lang="fr-FR" dirty="0">
-              <a:solidFill>
-                <a:schemeClr val="accent3"/>
-              </a:solidFill>
-            </a:endParaRPr>
           </a:p>
         </p:txBody>
       </p:sp>
@@ -25035,6 +25504,994 @@
       </p:grpSpPr>
       <p:sp>
         <p:nvSpPr>
+          <p:cNvPr id="99" name="TextBox 98"/>
+          <p:cNvSpPr txBox="1"/>
+          <p:nvPr/>
+        </p:nvSpPr>
+        <p:spPr>
+          <a:xfrm>
+            <a:off x="839788" y="2324845"/>
+            <a:ext cx="2602141" cy="954107"/>
+          </a:xfrm>
+          <a:prstGeom prst="rect">
+            <a:avLst/>
+          </a:prstGeom>
+          <a:noFill/>
+        </p:spPr>
+        <p:txBody>
+          <a:bodyPr wrap="square" lIns="0" rtlCol="0" anchor="b">
+            <a:spAutoFit/>
+          </a:bodyPr>
+          <a:lstStyle/>
+          <a:p>
+            <a:r>
+              <a:rPr lang="en-US" altLang="zh-TW" sz="2800" dirty="0">
+                <a:solidFill>
+                  <a:schemeClr val="accent1"/>
+                </a:solidFill>
+                <a:latin typeface="Segoe UI Light" panose="020B0502040204020203" pitchFamily="34" charset="0"/>
+                <a:cs typeface="Segoe UI Light" panose="020B0502040204020203" pitchFamily="34" charset="0"/>
+              </a:rPr>
+              <a:t>Smooth</a:t>
+            </a:r>
+          </a:p>
+          <a:p>
+            <a:r>
+              <a:rPr lang="en-US" altLang="zh-TW" sz="2800" dirty="0" smtClean="0">
+                <a:solidFill>
+                  <a:schemeClr val="accent1"/>
+                </a:solidFill>
+                <a:latin typeface="Segoe UI Light" panose="020B0502040204020203" pitchFamily="34" charset="0"/>
+                <a:cs typeface="Segoe UI Light" panose="020B0502040204020203" pitchFamily="34" charset="0"/>
+              </a:rPr>
+              <a:t>H</a:t>
+            </a:r>
+            <a:r>
+              <a:rPr lang="en-US" sz="2800" dirty="0" smtClean="0">
+                <a:solidFill>
+                  <a:schemeClr val="accent1"/>
+                </a:solidFill>
+                <a:latin typeface="Segoe UI Light" panose="020B0502040204020203" pitchFamily="34" charset="0"/>
+                <a:cs typeface="Segoe UI Light" panose="020B0502040204020203" pitchFamily="34" charset="0"/>
+              </a:rPr>
+              <a:t>ysteretic </a:t>
+            </a:r>
+            <a:r>
+              <a:rPr lang="en-US" altLang="zh-TW" sz="2800" dirty="0" smtClean="0">
+                <a:solidFill>
+                  <a:schemeClr val="accent1"/>
+                </a:solidFill>
+                <a:latin typeface="Segoe UI Light" panose="020B0502040204020203" pitchFamily="34" charset="0"/>
+                <a:cs typeface="Segoe UI Light" panose="020B0502040204020203" pitchFamily="34" charset="0"/>
+              </a:rPr>
+              <a:t>M</a:t>
+            </a:r>
+            <a:r>
+              <a:rPr lang="en-US" sz="2800" dirty="0" smtClean="0">
+                <a:solidFill>
+                  <a:schemeClr val="accent1"/>
+                </a:solidFill>
+                <a:latin typeface="Segoe UI Light" panose="020B0502040204020203" pitchFamily="34" charset="0"/>
+                <a:cs typeface="Segoe UI Light" panose="020B0502040204020203" pitchFamily="34" charset="0"/>
+              </a:rPr>
+              <a:t>odel</a:t>
+            </a:r>
+            <a:endParaRPr lang="en-US" sz="2800" dirty="0">
+              <a:solidFill>
+                <a:schemeClr val="accent1"/>
+              </a:solidFill>
+              <a:latin typeface="Segoe UI Light" panose="020B0502040204020203" pitchFamily="34" charset="0"/>
+              <a:cs typeface="Segoe UI Light" panose="020B0502040204020203" pitchFamily="34" charset="0"/>
+            </a:endParaRPr>
+          </a:p>
+        </p:txBody>
+      </p:sp>
+      <p:sp>
+        <p:nvSpPr>
+          <p:cNvPr id="2" name="Text Placeholder 1"/>
+          <p:cNvSpPr>
+            <a:spLocks noGrp="1"/>
+          </p:cNvSpPr>
+          <p:nvPr>
+            <p:ph type="body" sz="quarter" idx="10"/>
+          </p:nvPr>
+        </p:nvSpPr>
+        <p:spPr>
+          <a:xfrm>
+            <a:off x="839788" y="660400"/>
+            <a:ext cx="4481512" cy="701731"/>
+          </a:xfrm>
+        </p:spPr>
+        <p:txBody>
+          <a:bodyPr/>
+          <a:lstStyle/>
+          <a:p>
+            <a:r>
+              <a:rPr lang="zh-TW" altLang="en-US" dirty="0" smtClean="0">
+                <a:latin typeface="Segoe UI Light" panose="020B0502040204020203" pitchFamily="34" charset="0"/>
+                <a:cs typeface="Segoe UI Light" panose="020B0502040204020203" pitchFamily="34" charset="0"/>
+              </a:rPr>
+              <a:t>結構工程研討會</a:t>
+            </a:r>
+            <a:endParaRPr lang="fr-FR" dirty="0">
+              <a:solidFill>
+                <a:schemeClr val="accent1"/>
+              </a:solidFill>
+              <a:latin typeface="Segoe UI Light" panose="020B0502040204020203" pitchFamily="34" charset="0"/>
+              <a:cs typeface="Segoe UI Light" panose="020B0502040204020203" pitchFamily="34" charset="0"/>
+            </a:endParaRPr>
+          </a:p>
+        </p:txBody>
+      </p:sp>
+      <p:sp>
+        <p:nvSpPr>
+          <p:cNvPr id="19" name="TextBox 18"/>
+          <p:cNvSpPr txBox="1"/>
+          <p:nvPr/>
+        </p:nvSpPr>
+        <p:spPr>
+          <a:xfrm>
+            <a:off x="4794930" y="1893957"/>
+            <a:ext cx="2602141" cy="1384995"/>
+          </a:xfrm>
+          <a:prstGeom prst="rect">
+            <a:avLst/>
+          </a:prstGeom>
+          <a:noFill/>
+        </p:spPr>
+        <p:txBody>
+          <a:bodyPr wrap="square" lIns="0" rtlCol="0" anchor="b">
+            <a:spAutoFit/>
+          </a:bodyPr>
+          <a:lstStyle/>
+          <a:p>
+            <a:endParaRPr lang="fr-FR" sz="2800" dirty="0">
+              <a:solidFill>
+                <a:schemeClr val="accent1"/>
+              </a:solidFill>
+              <a:latin typeface="Segoe UI Light" panose="020B0502040204020203" pitchFamily="34" charset="0"/>
+              <a:cs typeface="Segoe UI Light" panose="020B0502040204020203" pitchFamily="34" charset="0"/>
+            </a:endParaRPr>
+          </a:p>
+          <a:p>
+            <a:r>
+              <a:rPr lang="fr-FR" sz="2800" dirty="0">
+                <a:solidFill>
+                  <a:schemeClr val="accent1"/>
+                </a:solidFill>
+                <a:latin typeface="Segoe UI Light" panose="020B0502040204020203" pitchFamily="34" charset="0"/>
+                <a:cs typeface="Segoe UI Light" panose="020B0502040204020203" pitchFamily="34" charset="0"/>
+              </a:rPr>
+              <a:t>Nonlinear History Analysis</a:t>
+            </a:r>
+          </a:p>
+        </p:txBody>
+      </p:sp>
+      <p:sp>
+        <p:nvSpPr>
+          <p:cNvPr id="20" name="TextBox 19"/>
+          <p:cNvSpPr txBox="1"/>
+          <p:nvPr/>
+        </p:nvSpPr>
+        <p:spPr>
+          <a:xfrm>
+            <a:off x="8750072" y="2324845"/>
+            <a:ext cx="2602141" cy="954107"/>
+          </a:xfrm>
+          <a:prstGeom prst="rect">
+            <a:avLst/>
+          </a:prstGeom>
+          <a:noFill/>
+        </p:spPr>
+        <p:txBody>
+          <a:bodyPr wrap="square" lIns="0" rtlCol="0" anchor="b">
+            <a:spAutoFit/>
+          </a:bodyPr>
+          <a:lstStyle/>
+          <a:p>
+            <a:r>
+              <a:rPr lang="fr-FR" sz="2800" dirty="0">
+                <a:solidFill>
+                  <a:schemeClr val="accent1"/>
+                </a:solidFill>
+                <a:latin typeface="Segoe UI Light" panose="020B0502040204020203" pitchFamily="34" charset="0"/>
+                <a:cs typeface="Segoe UI Light" panose="020B0502040204020203" pitchFamily="34" charset="0"/>
+              </a:rPr>
+              <a:t>Time History</a:t>
+            </a:r>
+          </a:p>
+          <a:p>
+            <a:r>
+              <a:rPr lang="fr-FR" sz="2800" dirty="0">
+                <a:solidFill>
+                  <a:schemeClr val="accent1"/>
+                </a:solidFill>
+                <a:latin typeface="Segoe UI Light" panose="020B0502040204020203" pitchFamily="34" charset="0"/>
+                <a:cs typeface="Segoe UI Light" panose="020B0502040204020203" pitchFamily="34" charset="0"/>
+              </a:rPr>
+              <a:t>Spectrum</a:t>
+            </a:r>
+          </a:p>
+        </p:txBody>
+      </p:sp>
+      <p:sp>
+        <p:nvSpPr>
+          <p:cNvPr id="22" name="TextBox 21"/>
+          <p:cNvSpPr txBox="1"/>
+          <p:nvPr/>
+        </p:nvSpPr>
+        <p:spPr>
+          <a:xfrm>
+            <a:off x="839788" y="3401622"/>
+            <a:ext cx="2602141" cy="1938992"/>
+          </a:xfrm>
+          <a:prstGeom prst="rect">
+            <a:avLst/>
+          </a:prstGeom>
+          <a:noFill/>
+        </p:spPr>
+        <p:txBody>
+          <a:bodyPr wrap="square" lIns="0" rtlCol="0" anchor="t">
+            <a:spAutoFit/>
+          </a:bodyPr>
+          <a:lstStyle/>
+          <a:p>
+            <a:pPr>
+              <a:lnSpc>
+                <a:spcPct val="120000"/>
+              </a:lnSpc>
+            </a:pPr>
+            <a:r>
+              <a:rPr lang="zh-TW" altLang="en-US" sz="2000" dirty="0">
+                <a:latin typeface="Segoe UI Light" panose="020B0502040204020203" pitchFamily="34" charset="0"/>
+                <a:cs typeface="Segoe UI Light" panose="020B0502040204020203" pitchFamily="34" charset="0"/>
+              </a:rPr>
+              <a:t>容量位移雙反應譜於鋼筋混凝土橋梁耐震性能設計之</a:t>
+            </a:r>
+            <a:r>
+              <a:rPr lang="zh-TW" altLang="en-US" sz="2000" dirty="0" smtClean="0">
+                <a:latin typeface="Segoe UI Light" panose="020B0502040204020203" pitchFamily="34" charset="0"/>
+                <a:cs typeface="Segoe UI Light" panose="020B0502040204020203" pitchFamily="34" charset="0"/>
+              </a:rPr>
+              <a:t>應用</a:t>
+            </a:r>
+            <a:endParaRPr lang="en-US" altLang="zh-TW" sz="2000" dirty="0" smtClean="0">
+              <a:latin typeface="Segoe UI Light" panose="020B0502040204020203" pitchFamily="34" charset="0"/>
+              <a:cs typeface="Segoe UI Light" panose="020B0502040204020203" pitchFamily="34" charset="0"/>
+            </a:endParaRPr>
+          </a:p>
+          <a:p>
+            <a:pPr>
+              <a:lnSpc>
+                <a:spcPct val="120000"/>
+              </a:lnSpc>
+            </a:pPr>
+            <a:endParaRPr lang="zh-TW" altLang="en-US" sz="2000" dirty="0">
+              <a:latin typeface="Segoe UI Light" panose="020B0502040204020203" pitchFamily="34" charset="0"/>
+              <a:cs typeface="Segoe UI Light" panose="020B0502040204020203" pitchFamily="34" charset="0"/>
+            </a:endParaRPr>
+          </a:p>
+          <a:p>
+            <a:pPr>
+              <a:lnSpc>
+                <a:spcPct val="120000"/>
+              </a:lnSpc>
+            </a:pPr>
+            <a:r>
+              <a:rPr lang="zh-TW" altLang="en-US" sz="2000" dirty="0">
+                <a:latin typeface="Segoe UI Light" panose="020B0502040204020203" pitchFamily="34" charset="0"/>
+                <a:cs typeface="Segoe UI Light" panose="020B0502040204020203" pitchFamily="34" charset="0"/>
+              </a:rPr>
+              <a:t>張國鎮 王柄雄 歐昱辰</a:t>
+            </a:r>
+          </a:p>
+        </p:txBody>
+      </p:sp>
+      <p:sp>
+        <p:nvSpPr>
+          <p:cNvPr id="25" name="TextBox 24"/>
+          <p:cNvSpPr txBox="1"/>
+          <p:nvPr/>
+        </p:nvSpPr>
+        <p:spPr>
+          <a:xfrm>
+            <a:off x="4794930" y="3401622"/>
+            <a:ext cx="2602141" cy="1905393"/>
+          </a:xfrm>
+          <a:prstGeom prst="rect">
+            <a:avLst/>
+          </a:prstGeom>
+          <a:noFill/>
+        </p:spPr>
+        <p:txBody>
+          <a:bodyPr wrap="square" lIns="0" rtlCol="0" anchor="t">
+            <a:spAutoFit/>
+          </a:bodyPr>
+          <a:lstStyle/>
+          <a:p>
+            <a:pPr>
+              <a:lnSpc>
+                <a:spcPct val="120000"/>
+              </a:lnSpc>
+            </a:pPr>
+            <a:r>
+              <a:rPr lang="zh-TW" altLang="en-US" sz="2000" dirty="0">
+                <a:latin typeface="Segoe UI Light" panose="020B0502040204020203" pitchFamily="34" charset="0"/>
+                <a:cs typeface="Segoe UI Light" panose="020B0502040204020203" pitchFamily="34" charset="0"/>
+              </a:rPr>
+              <a:t>高層建築結構物側推分析與動力歷時分析案例研</a:t>
+            </a:r>
+            <a:r>
+              <a:rPr lang="zh-TW" altLang="en-US" sz="2000" dirty="0" smtClean="0">
+                <a:latin typeface="Segoe UI Light" panose="020B0502040204020203" pitchFamily="34" charset="0"/>
+                <a:cs typeface="Segoe UI Light" panose="020B0502040204020203" pitchFamily="34" charset="0"/>
+              </a:rPr>
+              <a:t>析</a:t>
+            </a:r>
+            <a:endParaRPr lang="en-US" altLang="zh-TW" sz="2000" dirty="0" smtClean="0">
+              <a:latin typeface="Segoe UI Light" panose="020B0502040204020203" pitchFamily="34" charset="0"/>
+              <a:cs typeface="Segoe UI Light" panose="020B0502040204020203" pitchFamily="34" charset="0"/>
+            </a:endParaRPr>
+          </a:p>
+          <a:p>
+            <a:pPr>
+              <a:lnSpc>
+                <a:spcPct val="120000"/>
+              </a:lnSpc>
+            </a:pPr>
+            <a:endParaRPr lang="zh-TW" altLang="en-US" sz="2000" dirty="0">
+              <a:latin typeface="Segoe UI Light" panose="020B0502040204020203" pitchFamily="34" charset="0"/>
+              <a:cs typeface="Segoe UI Light" panose="020B0502040204020203" pitchFamily="34" charset="0"/>
+            </a:endParaRPr>
+          </a:p>
+          <a:p>
+            <a:pPr>
+              <a:lnSpc>
+                <a:spcPct val="120000"/>
+              </a:lnSpc>
+            </a:pPr>
+            <a:r>
+              <a:rPr lang="zh-TW" altLang="en-US" sz="2000" dirty="0">
+                <a:latin typeface="Segoe UI Light" panose="020B0502040204020203" pitchFamily="34" charset="0"/>
+                <a:cs typeface="Segoe UI Light" panose="020B0502040204020203" pitchFamily="34" charset="0"/>
+              </a:rPr>
+              <a:t>柯鎮洋 郭勝光</a:t>
+            </a:r>
+          </a:p>
+        </p:txBody>
+      </p:sp>
+      <p:sp>
+        <p:nvSpPr>
+          <p:cNvPr id="26" name="TextBox 25"/>
+          <p:cNvSpPr txBox="1"/>
+          <p:nvPr/>
+        </p:nvSpPr>
+        <p:spPr>
+          <a:xfrm>
+            <a:off x="8750072" y="3401622"/>
+            <a:ext cx="2602141" cy="2274725"/>
+          </a:xfrm>
+          <a:prstGeom prst="rect">
+            <a:avLst/>
+          </a:prstGeom>
+          <a:noFill/>
+        </p:spPr>
+        <p:txBody>
+          <a:bodyPr wrap="square" lIns="0" rtlCol="0" anchor="t">
+            <a:spAutoFit/>
+          </a:bodyPr>
+          <a:lstStyle/>
+          <a:p>
+            <a:pPr>
+              <a:lnSpc>
+                <a:spcPct val="120000"/>
+              </a:lnSpc>
+            </a:pPr>
+            <a:r>
+              <a:rPr lang="zh-TW" altLang="en-US" sz="2000" dirty="0">
+                <a:latin typeface="Segoe UI Light" panose="020B0502040204020203" pitchFamily="34" charset="0"/>
+                <a:cs typeface="Segoe UI Light" panose="020B0502040204020203" pitchFamily="34" charset="0"/>
+              </a:rPr>
+              <a:t>摩擦單擺隔震系統受脈衝型地震歷時作用之振動台</a:t>
+            </a:r>
+            <a:r>
+              <a:rPr lang="zh-TW" altLang="en-US" sz="2000" dirty="0" smtClean="0">
+                <a:latin typeface="Segoe UI Light" panose="020B0502040204020203" pitchFamily="34" charset="0"/>
+                <a:cs typeface="Segoe UI Light" panose="020B0502040204020203" pitchFamily="34" charset="0"/>
+              </a:rPr>
+              <a:t>試驗</a:t>
+            </a:r>
+            <a:endParaRPr lang="en-US" altLang="zh-TW" sz="2000" dirty="0" smtClean="0">
+              <a:latin typeface="Segoe UI Light" panose="020B0502040204020203" pitchFamily="34" charset="0"/>
+              <a:cs typeface="Segoe UI Light" panose="020B0502040204020203" pitchFamily="34" charset="0"/>
+            </a:endParaRPr>
+          </a:p>
+          <a:p>
+            <a:pPr>
+              <a:lnSpc>
+                <a:spcPct val="120000"/>
+              </a:lnSpc>
+            </a:pPr>
+            <a:endParaRPr lang="zh-TW" altLang="en-US" sz="2000" dirty="0">
+              <a:latin typeface="Segoe UI Light" panose="020B0502040204020203" pitchFamily="34" charset="0"/>
+              <a:cs typeface="Segoe UI Light" panose="020B0502040204020203" pitchFamily="34" charset="0"/>
+            </a:endParaRPr>
+          </a:p>
+          <a:p>
+            <a:pPr>
+              <a:lnSpc>
+                <a:spcPct val="120000"/>
+              </a:lnSpc>
+            </a:pPr>
+            <a:r>
+              <a:rPr lang="zh-TW" altLang="en-US" sz="2000" dirty="0">
+                <a:latin typeface="Segoe UI Light" panose="020B0502040204020203" pitchFamily="34" charset="0"/>
+                <a:cs typeface="Segoe UI Light" panose="020B0502040204020203" pitchFamily="34" charset="0"/>
+              </a:rPr>
+              <a:t>楊亞衡 林禹辰 張長菁 黃尹男</a:t>
+            </a:r>
+          </a:p>
+        </p:txBody>
+      </p:sp>
+      <p:sp>
+        <p:nvSpPr>
+          <p:cNvPr id="3" name="投影片編號版面配置區 2">
+            <a:extLst>
+              <a:ext uri="{FF2B5EF4-FFF2-40B4-BE49-F238E27FC236}">
+                <a16:creationId xmlns:a16="http://schemas.microsoft.com/office/drawing/2014/main" id="{7457ED41-87B9-439A-B4C6-05A40BAEAB23}"/>
+              </a:ext>
+            </a:extLst>
+          </p:cNvPr>
+          <p:cNvSpPr>
+            <a:spLocks noGrp="1"/>
+          </p:cNvSpPr>
+          <p:nvPr>
+            <p:ph type="sldNum" sz="quarter" idx="4"/>
+          </p:nvPr>
+        </p:nvSpPr>
+        <p:spPr/>
+        <p:txBody>
+          <a:bodyPr/>
+          <a:lstStyle/>
+          <a:p>
+            <a:fld id="{6F0746BA-D1AA-4FF4-8D48-BDBC7FF48778}" type="slidenum">
+              <a:rPr lang="fr-FR" smtClean="0"/>
+              <a:t>11</a:t>
+            </a:fld>
+            <a:endParaRPr lang="fr-FR"/>
+          </a:p>
+        </p:txBody>
+      </p:sp>
+    </p:spTree>
+    <p:extLst>
+      <p:ext uri="{BB962C8B-B14F-4D97-AF65-F5344CB8AC3E}">
+        <p14:creationId xmlns:p14="http://schemas.microsoft.com/office/powerpoint/2010/main" val="2670025832"/>
+      </p:ext>
+    </p:extLst>
+  </p:cSld>
+  <p:clrMapOvr>
+    <a:masterClrMapping/>
+  </p:clrMapOvr>
+  <mc:AlternateContent xmlns:mc="http://schemas.openxmlformats.org/markup-compatibility/2006" xmlns:p14="http://schemas.microsoft.com/office/powerpoint/2010/main">
+    <mc:Choice Requires="p14">
+      <p:transition spd="med" p14:dur="700">
+        <p:fade/>
+      </p:transition>
+    </mc:Choice>
+    <mc:Fallback xmlns="">
+      <p:transition spd="med">
+        <p:fade/>
+      </p:transition>
+    </mc:Fallback>
+  </mc:AlternateContent>
+  <p:timing>
+    <p:tnLst>
+      <p:par>
+        <p:cTn id="1" dur="indefinite" restart="never" nodeType="tmRoot"/>
+      </p:par>
+    </p:tnLst>
+  </p:timing>
+</p:sld>
+</file>
+
+<file path=ppt/slides/slide12.xml><?xml version="1.0" encoding="utf-8"?>
+<p:sld xmlns:a="http://schemas.openxmlformats.org/drawingml/2006/main" xmlns:r="http://schemas.openxmlformats.org/officeDocument/2006/relationships" xmlns:p="http://schemas.openxmlformats.org/presentationml/2006/main">
+  <p:cSld>
+    <p:spTree>
+      <p:nvGrpSpPr>
+        <p:cNvPr id="1" name=""/>
+        <p:cNvGrpSpPr/>
+        <p:nvPr/>
+      </p:nvGrpSpPr>
+      <p:grpSpPr>
+        <a:xfrm>
+          <a:off x="0" y="0"/>
+          <a:ext cx="0" cy="0"/>
+          <a:chOff x="0" y="0"/>
+          <a:chExt cx="0" cy="0"/>
+        </a:xfrm>
+      </p:grpSpPr>
+      <p:sp>
+        <p:nvSpPr>
+          <p:cNvPr id="99" name="TextBox 98"/>
+          <p:cNvSpPr txBox="1"/>
+          <p:nvPr/>
+        </p:nvSpPr>
+        <p:spPr>
+          <a:xfrm>
+            <a:off x="839788" y="2324845"/>
+            <a:ext cx="2602141" cy="954107"/>
+          </a:xfrm>
+          <a:prstGeom prst="rect">
+            <a:avLst/>
+          </a:prstGeom>
+          <a:noFill/>
+        </p:spPr>
+        <p:txBody>
+          <a:bodyPr wrap="square" lIns="0" rtlCol="0" anchor="b">
+            <a:spAutoFit/>
+          </a:bodyPr>
+          <a:lstStyle/>
+          <a:p>
+            <a:r>
+              <a:rPr lang="zh-TW" altLang="en-US" sz="2800" dirty="0">
+                <a:solidFill>
+                  <a:schemeClr val="accent1"/>
+                </a:solidFill>
+                <a:latin typeface="Segoe UI Light" panose="020B0502040204020203" pitchFamily="34" charset="0"/>
+                <a:cs typeface="Segoe UI Light" panose="020B0502040204020203" pitchFamily="34" charset="0"/>
+              </a:rPr>
+              <a:t>延伸長度 </a:t>
+            </a:r>
+          </a:p>
+          <a:p>
+            <a:r>
+              <a:rPr lang="zh-TW" altLang="en-US" sz="2800" dirty="0">
+                <a:solidFill>
+                  <a:schemeClr val="accent1"/>
+                </a:solidFill>
+                <a:latin typeface="Segoe UI Light" panose="020B0502040204020203" pitchFamily="34" charset="0"/>
+                <a:cs typeface="Segoe UI Light" panose="020B0502040204020203" pitchFamily="34" charset="0"/>
+              </a:rPr>
+              <a:t>簡算法 精算法</a:t>
+            </a:r>
+          </a:p>
+        </p:txBody>
+      </p:sp>
+      <p:sp>
+        <p:nvSpPr>
+          <p:cNvPr id="2" name="Text Placeholder 1"/>
+          <p:cNvSpPr>
+            <a:spLocks noGrp="1"/>
+          </p:cNvSpPr>
+          <p:nvPr>
+            <p:ph type="body" sz="quarter" idx="10"/>
+          </p:nvPr>
+        </p:nvSpPr>
+        <p:spPr>
+          <a:xfrm>
+            <a:off x="839788" y="660400"/>
+            <a:ext cx="4481512" cy="701731"/>
+          </a:xfrm>
+        </p:spPr>
+        <p:txBody>
+          <a:bodyPr/>
+          <a:lstStyle/>
+          <a:p>
+            <a:r>
+              <a:rPr lang="zh-TW" altLang="en-US" dirty="0">
+                <a:latin typeface="Segoe UI Light" panose="020B0502040204020203" pitchFamily="34" charset="0"/>
+                <a:cs typeface="Segoe UI Light" panose="020B0502040204020203" pitchFamily="34" charset="0"/>
+              </a:rPr>
+              <a:t>結構工程研討會</a:t>
+            </a:r>
+            <a:endParaRPr lang="fr-FR" altLang="zh-TW" dirty="0">
+              <a:solidFill>
+                <a:schemeClr val="accent1"/>
+              </a:solidFill>
+              <a:latin typeface="Segoe UI Light" panose="020B0502040204020203" pitchFamily="34" charset="0"/>
+              <a:cs typeface="Segoe UI Light" panose="020B0502040204020203" pitchFamily="34" charset="0"/>
+            </a:endParaRPr>
+          </a:p>
+        </p:txBody>
+      </p:sp>
+      <p:sp>
+        <p:nvSpPr>
+          <p:cNvPr id="19" name="TextBox 18"/>
+          <p:cNvSpPr txBox="1"/>
+          <p:nvPr/>
+        </p:nvSpPr>
+        <p:spPr>
+          <a:xfrm>
+            <a:off x="4794930" y="2324845"/>
+            <a:ext cx="2602141" cy="954107"/>
+          </a:xfrm>
+          <a:prstGeom prst="rect">
+            <a:avLst/>
+          </a:prstGeom>
+          <a:noFill/>
+        </p:spPr>
+        <p:txBody>
+          <a:bodyPr wrap="square" lIns="0" rtlCol="0" anchor="b">
+            <a:spAutoFit/>
+          </a:bodyPr>
+          <a:lstStyle/>
+          <a:p>
+            <a:endParaRPr lang="zh-TW" altLang="en-US" sz="2800" dirty="0">
+              <a:solidFill>
+                <a:schemeClr val="accent1"/>
+              </a:solidFill>
+              <a:latin typeface="Segoe UI Light" panose="020B0502040204020203" pitchFamily="34" charset="0"/>
+              <a:cs typeface="Segoe UI Light" panose="020B0502040204020203" pitchFamily="34" charset="0"/>
+            </a:endParaRPr>
+          </a:p>
+          <a:p>
+            <a:r>
+              <a:rPr lang="zh-TW" altLang="en-US" sz="2800" dirty="0">
+                <a:solidFill>
+                  <a:schemeClr val="accent1"/>
+                </a:solidFill>
+                <a:latin typeface="Segoe UI Light" panose="020B0502040204020203" pitchFamily="34" charset="0"/>
+                <a:cs typeface="Segoe UI Light" panose="020B0502040204020203" pitchFamily="34" charset="0"/>
+              </a:rPr>
+              <a:t>鋼構的 </a:t>
+            </a:r>
+            <a:r>
+              <a:rPr lang="fr-FR" sz="2800" dirty="0">
+                <a:solidFill>
+                  <a:schemeClr val="accent1"/>
+                </a:solidFill>
+                <a:latin typeface="Segoe UI Light" panose="020B0502040204020203" pitchFamily="34" charset="0"/>
+                <a:cs typeface="Segoe UI Light" panose="020B0502040204020203" pitchFamily="34" charset="0"/>
+              </a:rPr>
+              <a:t>PSERCB</a:t>
+            </a:r>
+          </a:p>
+        </p:txBody>
+      </p:sp>
+      <p:sp>
+        <p:nvSpPr>
+          <p:cNvPr id="20" name="TextBox 19"/>
+          <p:cNvSpPr txBox="1"/>
+          <p:nvPr/>
+        </p:nvSpPr>
+        <p:spPr>
+          <a:xfrm>
+            <a:off x="8750072" y="1893957"/>
+            <a:ext cx="2602141" cy="1384995"/>
+          </a:xfrm>
+          <a:prstGeom prst="rect">
+            <a:avLst/>
+          </a:prstGeom>
+          <a:noFill/>
+        </p:spPr>
+        <p:txBody>
+          <a:bodyPr wrap="square" lIns="0" rtlCol="0" anchor="b">
+            <a:spAutoFit/>
+          </a:bodyPr>
+          <a:lstStyle/>
+          <a:p>
+            <a:endParaRPr lang="fr-FR" sz="2800" dirty="0">
+              <a:solidFill>
+                <a:schemeClr val="accent1"/>
+              </a:solidFill>
+              <a:latin typeface="Segoe UI Light" panose="020B0502040204020203" pitchFamily="34" charset="0"/>
+              <a:cs typeface="Segoe UI Light" panose="020B0502040204020203" pitchFamily="34" charset="0"/>
+            </a:endParaRPr>
+          </a:p>
+          <a:p>
+            <a:r>
+              <a:rPr lang="fr-FR" sz="2800" dirty="0">
+                <a:solidFill>
+                  <a:schemeClr val="accent1"/>
+                </a:solidFill>
+                <a:latin typeface="Segoe UI Light" panose="020B0502040204020203" pitchFamily="34" charset="0"/>
+                <a:cs typeface="Segoe UI Light" panose="020B0502040204020203" pitchFamily="34" charset="0"/>
+              </a:rPr>
+              <a:t>Artificial Neural Network</a:t>
+            </a:r>
+          </a:p>
+        </p:txBody>
+      </p:sp>
+      <p:sp>
+        <p:nvSpPr>
+          <p:cNvPr id="22" name="TextBox 21"/>
+          <p:cNvSpPr txBox="1"/>
+          <p:nvPr/>
+        </p:nvSpPr>
+        <p:spPr>
+          <a:xfrm>
+            <a:off x="839788" y="3401622"/>
+            <a:ext cx="2602141" cy="1536062"/>
+          </a:xfrm>
+          <a:prstGeom prst="rect">
+            <a:avLst/>
+          </a:prstGeom>
+          <a:noFill/>
+        </p:spPr>
+        <p:txBody>
+          <a:bodyPr wrap="square" lIns="0" rtlCol="0" anchor="t">
+            <a:spAutoFit/>
+          </a:bodyPr>
+          <a:lstStyle/>
+          <a:p>
+            <a:pPr>
+              <a:lnSpc>
+                <a:spcPct val="120000"/>
+              </a:lnSpc>
+            </a:pPr>
+            <a:r>
+              <a:rPr lang="zh-TW" altLang="en-US" sz="2000" dirty="0">
+                <a:latin typeface="Segoe UI Light" panose="020B0502040204020203" pitchFamily="34" charset="0"/>
+                <a:cs typeface="Segoe UI Light" panose="020B0502040204020203" pitchFamily="34" charset="0"/>
+              </a:rPr>
+              <a:t>螺紋節鋼筋之直線受拉握裹模型</a:t>
+            </a:r>
+            <a:r>
+              <a:rPr lang="zh-TW" altLang="en-US" sz="2000" dirty="0" smtClean="0">
+                <a:latin typeface="Segoe UI Light" panose="020B0502040204020203" pitchFamily="34" charset="0"/>
+                <a:cs typeface="Segoe UI Light" panose="020B0502040204020203" pitchFamily="34" charset="0"/>
+              </a:rPr>
+              <a:t>研究</a:t>
+            </a:r>
+            <a:endParaRPr lang="en-US" altLang="zh-TW" sz="2000" dirty="0" smtClean="0">
+              <a:latin typeface="Segoe UI Light" panose="020B0502040204020203" pitchFamily="34" charset="0"/>
+              <a:cs typeface="Segoe UI Light" panose="020B0502040204020203" pitchFamily="34" charset="0"/>
+            </a:endParaRPr>
+          </a:p>
+          <a:p>
+            <a:pPr>
+              <a:lnSpc>
+                <a:spcPct val="120000"/>
+              </a:lnSpc>
+            </a:pPr>
+            <a:endParaRPr lang="zh-TW" altLang="en-US" sz="2000" dirty="0">
+              <a:latin typeface="Segoe UI Light" panose="020B0502040204020203" pitchFamily="34" charset="0"/>
+              <a:cs typeface="Segoe UI Light" panose="020B0502040204020203" pitchFamily="34" charset="0"/>
+            </a:endParaRPr>
+          </a:p>
+          <a:p>
+            <a:pPr>
+              <a:lnSpc>
+                <a:spcPct val="120000"/>
+              </a:lnSpc>
+            </a:pPr>
+            <a:r>
+              <a:rPr lang="zh-TW" altLang="en-US" sz="2000" dirty="0">
+                <a:latin typeface="Segoe UI Light" panose="020B0502040204020203" pitchFamily="34" charset="0"/>
+                <a:cs typeface="Segoe UI Light" panose="020B0502040204020203" pitchFamily="34" charset="0"/>
+              </a:rPr>
+              <a:t>林克強 紀凱甯 邱建國</a:t>
+            </a:r>
+          </a:p>
+        </p:txBody>
+      </p:sp>
+      <p:sp>
+        <p:nvSpPr>
+          <p:cNvPr id="25" name="TextBox 24"/>
+          <p:cNvSpPr txBox="1"/>
+          <p:nvPr/>
+        </p:nvSpPr>
+        <p:spPr>
+          <a:xfrm>
+            <a:off x="4794930" y="3401622"/>
+            <a:ext cx="2602141" cy="2644057"/>
+          </a:xfrm>
+          <a:prstGeom prst="rect">
+            <a:avLst/>
+          </a:prstGeom>
+          <a:noFill/>
+        </p:spPr>
+        <p:txBody>
+          <a:bodyPr wrap="square" lIns="0" rtlCol="0" anchor="t">
+            <a:spAutoFit/>
+          </a:bodyPr>
+          <a:lstStyle/>
+          <a:p>
+            <a:pPr>
+              <a:lnSpc>
+                <a:spcPct val="120000"/>
+              </a:lnSpc>
+            </a:pPr>
+            <a:r>
+              <a:rPr lang="zh-TW" altLang="en-US" sz="2000" dirty="0">
+                <a:latin typeface="Segoe UI Light" panose="020B0502040204020203" pitchFamily="34" charset="0"/>
+                <a:cs typeface="Segoe UI Light" panose="020B0502040204020203" pitchFamily="34" charset="0"/>
+              </a:rPr>
+              <a:t>鋼結構建築物耐震能力初步評估之雲端平台研究與</a:t>
+            </a:r>
+            <a:r>
+              <a:rPr lang="zh-TW" altLang="en-US" sz="2000" dirty="0" smtClean="0">
+                <a:latin typeface="Segoe UI Light" panose="020B0502040204020203" pitchFamily="34" charset="0"/>
+                <a:cs typeface="Segoe UI Light" panose="020B0502040204020203" pitchFamily="34" charset="0"/>
+              </a:rPr>
+              <a:t>開發</a:t>
+            </a:r>
+            <a:endParaRPr lang="en-US" altLang="zh-TW" sz="2000" dirty="0" smtClean="0">
+              <a:latin typeface="Segoe UI Light" panose="020B0502040204020203" pitchFamily="34" charset="0"/>
+              <a:cs typeface="Segoe UI Light" panose="020B0502040204020203" pitchFamily="34" charset="0"/>
+            </a:endParaRPr>
+          </a:p>
+          <a:p>
+            <a:pPr>
+              <a:lnSpc>
+                <a:spcPct val="120000"/>
+              </a:lnSpc>
+            </a:pPr>
+            <a:endParaRPr lang="zh-TW" altLang="en-US" sz="2000" dirty="0">
+              <a:latin typeface="Segoe UI Light" panose="020B0502040204020203" pitchFamily="34" charset="0"/>
+              <a:cs typeface="Segoe UI Light" panose="020B0502040204020203" pitchFamily="34" charset="0"/>
+            </a:endParaRPr>
+          </a:p>
+          <a:p>
+            <a:pPr>
+              <a:lnSpc>
+                <a:spcPct val="120000"/>
+              </a:lnSpc>
+            </a:pPr>
+            <a:r>
+              <a:rPr lang="zh-TW" altLang="en-US" sz="2000" dirty="0">
+                <a:latin typeface="Segoe UI Light" panose="020B0502040204020203" pitchFamily="34" charset="0"/>
+                <a:cs typeface="Segoe UI Light" panose="020B0502040204020203" pitchFamily="34" charset="0"/>
+              </a:rPr>
+              <a:t>顏志良 盧柏亨 宋裕祺 蔡益超 陳建忠 許家瑋 黃瑞琪</a:t>
+            </a:r>
+          </a:p>
+        </p:txBody>
+      </p:sp>
+      <p:sp>
+        <p:nvSpPr>
+          <p:cNvPr id="26" name="TextBox 25"/>
+          <p:cNvSpPr txBox="1"/>
+          <p:nvPr/>
+        </p:nvSpPr>
+        <p:spPr>
+          <a:xfrm>
+            <a:off x="8750072" y="3401622"/>
+            <a:ext cx="2602141" cy="2274725"/>
+          </a:xfrm>
+          <a:prstGeom prst="rect">
+            <a:avLst/>
+          </a:prstGeom>
+          <a:noFill/>
+        </p:spPr>
+        <p:txBody>
+          <a:bodyPr wrap="square" lIns="0" rtlCol="0" anchor="t">
+            <a:spAutoFit/>
+          </a:bodyPr>
+          <a:lstStyle/>
+          <a:p>
+            <a:pPr>
+              <a:lnSpc>
+                <a:spcPct val="120000"/>
+              </a:lnSpc>
+            </a:pPr>
+            <a:r>
+              <a:rPr lang="zh-TW" altLang="en-US" sz="2000" dirty="0">
+                <a:latin typeface="Segoe UI Light" panose="020B0502040204020203" pitchFamily="34" charset="0"/>
+                <a:cs typeface="Segoe UI Light" panose="020B0502040204020203" pitchFamily="34" charset="0"/>
+              </a:rPr>
+              <a:t>人工智慧震波預估技術研發及其應用於智慧型滾動隔震支承之初步</a:t>
+            </a:r>
+            <a:r>
+              <a:rPr lang="zh-TW" altLang="en-US" sz="2000" dirty="0" smtClean="0">
+                <a:latin typeface="Segoe UI Light" panose="020B0502040204020203" pitchFamily="34" charset="0"/>
+                <a:cs typeface="Segoe UI Light" panose="020B0502040204020203" pitchFamily="34" charset="0"/>
+              </a:rPr>
+              <a:t>探討</a:t>
+            </a:r>
+            <a:endParaRPr lang="en-US" altLang="zh-TW" sz="2000" dirty="0" smtClean="0">
+              <a:latin typeface="Segoe UI Light" panose="020B0502040204020203" pitchFamily="34" charset="0"/>
+              <a:cs typeface="Segoe UI Light" panose="020B0502040204020203" pitchFamily="34" charset="0"/>
+            </a:endParaRPr>
+          </a:p>
+          <a:p>
+            <a:pPr>
+              <a:lnSpc>
+                <a:spcPct val="120000"/>
+              </a:lnSpc>
+            </a:pPr>
+            <a:endParaRPr lang="zh-TW" altLang="en-US" sz="2000" dirty="0">
+              <a:latin typeface="Segoe UI Light" panose="020B0502040204020203" pitchFamily="34" charset="0"/>
+              <a:cs typeface="Segoe UI Light" panose="020B0502040204020203" pitchFamily="34" charset="0"/>
+            </a:endParaRPr>
+          </a:p>
+          <a:p>
+            <a:pPr>
+              <a:lnSpc>
+                <a:spcPct val="120000"/>
+              </a:lnSpc>
+            </a:pPr>
+            <a:r>
+              <a:rPr lang="zh-TW" altLang="en-US" sz="2000" dirty="0">
+                <a:latin typeface="Segoe UI Light" panose="020B0502040204020203" pitchFamily="34" charset="0"/>
+                <a:cs typeface="Segoe UI Light" panose="020B0502040204020203" pitchFamily="34" charset="0"/>
+              </a:rPr>
+              <a:t>許丁友 汪向榮 黃治華</a:t>
+            </a:r>
+          </a:p>
+        </p:txBody>
+      </p:sp>
+      <p:sp>
+        <p:nvSpPr>
+          <p:cNvPr id="3" name="投影片編號版面配置區 2">
+            <a:extLst>
+              <a:ext uri="{FF2B5EF4-FFF2-40B4-BE49-F238E27FC236}">
+                <a16:creationId xmlns:a16="http://schemas.microsoft.com/office/drawing/2014/main" id="{7457ED41-87B9-439A-B4C6-05A40BAEAB23}"/>
+              </a:ext>
+            </a:extLst>
+          </p:cNvPr>
+          <p:cNvSpPr>
+            <a:spLocks noGrp="1"/>
+          </p:cNvSpPr>
+          <p:nvPr>
+            <p:ph type="sldNum" sz="quarter" idx="4"/>
+          </p:nvPr>
+        </p:nvSpPr>
+        <p:spPr/>
+        <p:txBody>
+          <a:bodyPr/>
+          <a:lstStyle/>
+          <a:p>
+            <a:fld id="{6F0746BA-D1AA-4FF4-8D48-BDBC7FF48778}" type="slidenum">
+              <a:rPr lang="fr-FR" smtClean="0"/>
+              <a:t>12</a:t>
+            </a:fld>
+            <a:endParaRPr lang="fr-FR"/>
+          </a:p>
+        </p:txBody>
+      </p:sp>
+    </p:spTree>
+    <p:extLst>
+      <p:ext uri="{BB962C8B-B14F-4D97-AF65-F5344CB8AC3E}">
+        <p14:creationId xmlns:p14="http://schemas.microsoft.com/office/powerpoint/2010/main" val="3160644587"/>
+      </p:ext>
+    </p:extLst>
+  </p:cSld>
+  <p:clrMapOvr>
+    <a:masterClrMapping/>
+  </p:clrMapOvr>
+  <mc:AlternateContent xmlns:mc="http://schemas.openxmlformats.org/markup-compatibility/2006" xmlns:p14="http://schemas.microsoft.com/office/powerpoint/2010/main">
+    <mc:Choice Requires="p14">
+      <p:transition spd="med" p14:dur="700">
+        <p:fade/>
+      </p:transition>
+    </mc:Choice>
+    <mc:Fallback xmlns="">
+      <p:transition spd="med">
+        <p:fade/>
+      </p:transition>
+    </mc:Fallback>
+  </mc:AlternateContent>
+  <p:timing>
+    <p:tnLst>
+      <p:par>
+        <p:cTn id="1" dur="indefinite" restart="never" nodeType="tmRoot"/>
+      </p:par>
+    </p:tnLst>
+  </p:timing>
+</p:sld>
+</file>
+
+<file path=ppt/slides/slide13.xml><?xml version="1.0" encoding="utf-8"?>
+<p:sld xmlns:a="http://schemas.openxmlformats.org/drawingml/2006/main" xmlns:r="http://schemas.openxmlformats.org/officeDocument/2006/relationships" xmlns:p="http://schemas.openxmlformats.org/presentationml/2006/main" show="0">
+  <p:cSld>
+    <p:spTree>
+      <p:nvGrpSpPr>
+        <p:cNvPr id="1" name=""/>
+        <p:cNvGrpSpPr/>
+        <p:nvPr/>
+      </p:nvGrpSpPr>
+      <p:grpSpPr>
+        <a:xfrm>
+          <a:off x="0" y="0"/>
+          <a:ext cx="0" cy="0"/>
+          <a:chOff x="0" y="0"/>
+          <a:chExt cx="0" cy="0"/>
+        </a:xfrm>
+      </p:grpSpPr>
+      <p:sp>
+        <p:nvSpPr>
           <p:cNvPr id="5" name="TextBox 4"/>
           <p:cNvSpPr txBox="1"/>
           <p:nvPr/>
@@ -25215,7 +26672,7 @@
           <a:p>
             <a:fld id="{6F0746BA-D1AA-4FF4-8D48-BDBC7FF48778}" type="slidenum">
               <a:rPr lang="fr-FR" smtClean="0"/>
-              <a:t>11</a:t>
+              <a:t>13</a:t>
             </a:fld>
             <a:endParaRPr lang="fr-FR"/>
           </a:p>
@@ -25234,11 +26691,18 @@
   <p:transition spd="slow">
     <p:push dir="u"/>
   </p:transition>
+  <p:timing>
+    <p:tnLst>
+      <p:par>
+        <p:cTn id="1" dur="indefinite" restart="never" nodeType="tmRoot"/>
+      </p:par>
+    </p:tnLst>
+  </p:timing>
 </p:sld>
 </file>
 
-<file path=ppt/slides/slide12.xml><?xml version="1.0" encoding="utf-8"?>
-<p:sld xmlns:a="http://schemas.openxmlformats.org/drawingml/2006/main" xmlns:r="http://schemas.openxmlformats.org/officeDocument/2006/relationships" xmlns:p="http://schemas.openxmlformats.org/presentationml/2006/main">
+<file path=ppt/slides/slide14.xml><?xml version="1.0" encoding="utf-8"?>
+<p:sld xmlns:a="http://schemas.openxmlformats.org/drawingml/2006/main" xmlns:r="http://schemas.openxmlformats.org/officeDocument/2006/relationships" xmlns:p="http://schemas.openxmlformats.org/presentationml/2006/main" show="0">
   <p:cSld>
     <p:spTree>
       <p:nvGrpSpPr>
@@ -25281,30 +26745,28 @@
                 <a:spcPct val="90000"/>
               </a:lnSpc>
             </a:pPr>
-            <a:r>
-              <a:rPr lang="fr-FR" sz="5400" dirty="0">
+            <a:endParaRPr lang="fr-FR" sz="5400" dirty="0" smtClean="0">
+              <a:latin typeface="Segoe UI" panose="020B0502040204020203" pitchFamily="34" charset="0"/>
+              <a:cs typeface="Segoe UI" panose="020B0502040204020203" pitchFamily="34" charset="0"/>
+            </a:endParaRPr>
+          </a:p>
+          <a:p>
+            <a:pPr>
+              <a:lnSpc>
+                <a:spcPct val="90000"/>
+              </a:lnSpc>
+            </a:pPr>
+            <a:r>
+              <a:rPr lang="fr-FR" sz="5400" dirty="0" smtClean="0">
                 <a:latin typeface="Segoe UI" panose="020B0502040204020203" pitchFamily="34" charset="0"/>
                 <a:cs typeface="Segoe UI" panose="020B0502040204020203" pitchFamily="34" charset="0"/>
               </a:rPr>
-              <a:t>NONLINEAR </a:t>
-            </a:r>
-            <a:r>
-              <a:rPr lang="fr-FR" sz="5400" dirty="0">
-                <a:solidFill>
-                  <a:schemeClr val="accent1"/>
-                </a:solidFill>
-                <a:latin typeface="Segoe UI" panose="020B0502040204020203" pitchFamily="34" charset="0"/>
-                <a:cs typeface="Segoe UI" panose="020B0502040204020203" pitchFamily="34" charset="0"/>
-              </a:rPr>
-              <a:t>HISTORY</a:t>
-            </a:r>
-            <a:r>
-              <a:rPr lang="fr-FR" sz="5400" dirty="0">
-                <a:latin typeface="Segoe UI" panose="020B0502040204020203" pitchFamily="34" charset="0"/>
-                <a:cs typeface="Segoe UI" panose="020B0502040204020203" pitchFamily="34" charset="0"/>
-              </a:rPr>
-              <a:t> ANALYSIS</a:t>
-            </a:r>
+              <a:t>Nonlinear History Analysis</a:t>
+            </a:r>
+            <a:endParaRPr lang="fr-FR" sz="5400" dirty="0">
+              <a:latin typeface="Segoe UI" panose="020B0502040204020203" pitchFamily="34" charset="0"/>
+              <a:cs typeface="Segoe UI" panose="020B0502040204020203" pitchFamily="34" charset="0"/>
+            </a:endParaRPr>
           </a:p>
         </p:txBody>
       </p:sp>
@@ -25397,7 +26859,7 @@
           <a:p>
             <a:fld id="{6F0746BA-D1AA-4FF4-8D48-BDBC7FF48778}" type="slidenum">
               <a:rPr lang="fr-FR" smtClean="0"/>
-              <a:t>12</a:t>
+              <a:t>14</a:t>
             </a:fld>
             <a:endParaRPr lang="fr-FR"/>
           </a:p>
@@ -25416,11 +26878,18 @@
   <p:transition spd="slow">
     <p:push dir="u"/>
   </p:transition>
+  <p:timing>
+    <p:tnLst>
+      <p:par>
+        <p:cTn id="1" dur="indefinite" restart="never" nodeType="tmRoot"/>
+      </p:par>
+    </p:tnLst>
+  </p:timing>
 </p:sld>
 </file>
 
-<file path=ppt/slides/slide13.xml><?xml version="1.0" encoding="utf-8"?>
-<p:sld xmlns:a="http://schemas.openxmlformats.org/drawingml/2006/main" xmlns:r="http://schemas.openxmlformats.org/officeDocument/2006/relationships" xmlns:p="http://schemas.openxmlformats.org/presentationml/2006/main">
+<file path=ppt/slides/slide15.xml><?xml version="1.0" encoding="utf-8"?>
+<p:sld xmlns:a="http://schemas.openxmlformats.org/drawingml/2006/main" xmlns:r="http://schemas.openxmlformats.org/officeDocument/2006/relationships" xmlns:p="http://schemas.openxmlformats.org/presentationml/2006/main" show="0">
   <p:cSld>
     <p:spTree>
       <p:nvGrpSpPr>
@@ -25464,11 +26933,11 @@
               </a:lnSpc>
             </a:pPr>
             <a:r>
-              <a:rPr lang="en-US" altLang="zh-TW" sz="5400" dirty="0">
+              <a:rPr lang="en-US" altLang="zh-TW" sz="5400" dirty="0" smtClean="0">
                 <a:latin typeface="Segoe UI" panose="020B0502040204020203" pitchFamily="34" charset="0"/>
                 <a:cs typeface="Segoe UI" panose="020B0502040204020203" pitchFamily="34" charset="0"/>
               </a:rPr>
-              <a:t>TIME HISTORY </a:t>
+              <a:t>Time History</a:t>
             </a:r>
             <a:endParaRPr lang="en-US" altLang="zh-TW" sz="5400" dirty="0" smtClean="0">
               <a:latin typeface="Segoe UI" panose="020B0502040204020203" pitchFamily="34" charset="0"/>
@@ -25486,7 +26955,7 @@
                 <a:latin typeface="Segoe UI" panose="020B0502040204020203" pitchFamily="34" charset="0"/>
                 <a:cs typeface="Segoe UI" panose="020B0502040204020203" pitchFamily="34" charset="0"/>
               </a:rPr>
-              <a:t>SPECTRUM</a:t>
+              <a:t>Spectrum</a:t>
             </a:r>
             <a:endParaRPr lang="zh-TW" altLang="en-US" sz="5400" dirty="0">
               <a:latin typeface="Segoe UI" panose="020B0502040204020203" pitchFamily="34" charset="0"/>
@@ -25584,7 +27053,7 @@
           <a:p>
             <a:fld id="{6F0746BA-D1AA-4FF4-8D48-BDBC7FF48778}" type="slidenum">
               <a:rPr lang="fr-FR" smtClean="0"/>
-              <a:t>13</a:t>
+              <a:t>15</a:t>
             </a:fld>
             <a:endParaRPr lang="fr-FR"/>
           </a:p>
@@ -25603,11 +27072,18 @@
   <p:transition spd="slow">
     <p:push dir="u"/>
   </p:transition>
+  <p:timing>
+    <p:tnLst>
+      <p:par>
+        <p:cTn id="1" dur="indefinite" restart="never" nodeType="tmRoot"/>
+      </p:par>
+    </p:tnLst>
+  </p:timing>
 </p:sld>
 </file>
 
-<file path=ppt/slides/slide14.xml><?xml version="1.0" encoding="utf-8"?>
-<p:sld xmlns:a="http://schemas.openxmlformats.org/drawingml/2006/main" xmlns:r="http://schemas.openxmlformats.org/officeDocument/2006/relationships" xmlns:p="http://schemas.openxmlformats.org/presentationml/2006/main">
+<file path=ppt/slides/slide16.xml><?xml version="1.0" encoding="utf-8"?>
+<p:sld xmlns:a="http://schemas.openxmlformats.org/drawingml/2006/main" xmlns:r="http://schemas.openxmlformats.org/officeDocument/2006/relationships" xmlns:p="http://schemas.openxmlformats.org/presentationml/2006/main" show="0">
   <p:cSld>
     <p:spTree>
       <p:nvGrpSpPr>
@@ -25650,6 +27126,13 @@
                 <a:spcPct val="90000"/>
               </a:lnSpc>
             </a:pPr>
+            <a:r>
+              <a:rPr lang="zh-TW" altLang="en-US" sz="5400" dirty="0" smtClean="0">
+                <a:latin typeface="Segoe UI" panose="020B0502040204020203" pitchFamily="34" charset="0"/>
+                <a:cs typeface="Segoe UI" panose="020B0502040204020203" pitchFamily="34" charset="0"/>
+              </a:rPr>
+              <a:t>延伸長度 </a:t>
+            </a:r>
             <a:endParaRPr lang="en-US" altLang="zh-TW" sz="5400" dirty="0" smtClean="0">
               <a:latin typeface="Segoe UI" panose="020B0502040204020203" pitchFamily="34" charset="0"/>
               <a:cs typeface="Segoe UI" panose="020B0502040204020203" pitchFamily="34" charset="0"/>
@@ -25666,29 +27149,9 @@
                 <a:latin typeface="Segoe UI" panose="020B0502040204020203" pitchFamily="34" charset="0"/>
                 <a:cs typeface="Segoe UI" panose="020B0502040204020203" pitchFamily="34" charset="0"/>
               </a:rPr>
-              <a:t>鋼</a:t>
-            </a:r>
-            <a:r>
-              <a:rPr lang="zh-TW" altLang="en-US" sz="5400" dirty="0">
-                <a:latin typeface="Segoe UI" panose="020B0502040204020203" pitchFamily="34" charset="0"/>
-                <a:cs typeface="Segoe UI" panose="020B0502040204020203" pitchFamily="34" charset="0"/>
-              </a:rPr>
-              <a:t>構的 </a:t>
-            </a:r>
-            <a:r>
-              <a:rPr lang="fr-FR" altLang="zh-TW" sz="5400" dirty="0">
-                <a:solidFill>
-                  <a:schemeClr val="accent1"/>
-                </a:solidFill>
-                <a:latin typeface="Segoe UI" panose="020B0502040204020203" pitchFamily="34" charset="0"/>
-                <a:cs typeface="Segoe UI" panose="020B0502040204020203" pitchFamily="34" charset="0"/>
-              </a:rPr>
-              <a:t>PSERCB</a:t>
-            </a:r>
-            <a:endParaRPr lang="fr-FR" altLang="zh-TW" sz="5400" dirty="0">
-              <a:solidFill>
-                <a:schemeClr val="accent1"/>
-              </a:solidFill>
+              <a:t>簡算法 精算法</a:t>
+            </a:r>
+            <a:endParaRPr lang="fr-FR" sz="5400" dirty="0">
               <a:latin typeface="Segoe UI" panose="020B0502040204020203" pitchFamily="34" charset="0"/>
               <a:cs typeface="Segoe UI" panose="020B0502040204020203" pitchFamily="34" charset="0"/>
             </a:endParaRPr>
@@ -25704,7 +27167,7 @@
         <p:spPr>
           <a:xfrm>
             <a:off x="1435100" y="3470533"/>
-            <a:ext cx="7213600" cy="2113592"/>
+            <a:ext cx="7213600" cy="1126462"/>
           </a:xfrm>
           <a:prstGeom prst="rect">
             <a:avLst/>
@@ -25727,8 +27190,19 @@
                 <a:latin typeface="Segoe UI Light" panose="020B0502040204020203" pitchFamily="34" charset="0"/>
                 <a:cs typeface="Segoe UI Light" panose="020B0502040204020203" pitchFamily="34" charset="0"/>
               </a:rPr>
-              <a:t>鋼結構建築物耐震能力初步評估之雲端平台研究與開發</a:t>
-            </a:r>
+              <a:t>螺紋節鋼筋之直線受拉握裹模型</a:t>
+            </a:r>
+            <a:r>
+              <a:rPr lang="zh-TW" altLang="en-US" sz="2800" dirty="0" smtClean="0">
+                <a:latin typeface="Segoe UI Light" panose="020B0502040204020203" pitchFamily="34" charset="0"/>
+                <a:cs typeface="Segoe UI Light" panose="020B0502040204020203" pitchFamily="34" charset="0"/>
+              </a:rPr>
+              <a:t>研究</a:t>
+            </a:r>
+            <a:endParaRPr lang="en-US" altLang="zh-TW" sz="2800" dirty="0" smtClean="0">
+              <a:latin typeface="Segoe UI Light" panose="020B0502040204020203" pitchFamily="34" charset="0"/>
+              <a:cs typeface="Segoe UI Light" panose="020B0502040204020203" pitchFamily="34" charset="0"/>
+            </a:endParaRPr>
           </a:p>
           <a:p>
             <a:pPr>
@@ -25741,8 +27215,12 @@
                 <a:latin typeface="Segoe UI Light" panose="020B0502040204020203" pitchFamily="34" charset="0"/>
                 <a:cs typeface="Segoe UI Light" panose="020B0502040204020203" pitchFamily="34" charset="0"/>
               </a:rPr>
-              <a:t>顏志良 盧柏亨 宋裕祺 蔡益超 陳建忠 許家瑋 黃瑞琪</a:t>
-            </a:r>
+              <a:t>林克強 紀凱甯 邱建國</a:t>
+            </a:r>
+            <a:endParaRPr lang="fr-FR" sz="2800" dirty="0">
+              <a:latin typeface="Segoe UI Light" panose="020B0502040204020203" pitchFamily="34" charset="0"/>
+              <a:cs typeface="Segoe UI Light" panose="020B0502040204020203" pitchFamily="34" charset="0"/>
+            </a:endParaRPr>
           </a:p>
         </p:txBody>
       </p:sp>
@@ -25769,7 +27247,7 @@
           <a:p>
             <a:fld id="{6F0746BA-D1AA-4FF4-8D48-BDBC7FF48778}" type="slidenum">
               <a:rPr lang="fr-FR" smtClean="0"/>
-              <a:t>14</a:t>
+              <a:t>16</a:t>
             </a:fld>
             <a:endParaRPr lang="fr-FR"/>
           </a:p>
@@ -25778,7 +27256,7 @@
     </p:spTree>
     <p:extLst>
       <p:ext uri="{BB962C8B-B14F-4D97-AF65-F5344CB8AC3E}">
-        <p14:creationId xmlns:p14="http://schemas.microsoft.com/office/powerpoint/2010/main" val="2893771549"/>
+        <p14:creationId xmlns:p14="http://schemas.microsoft.com/office/powerpoint/2010/main" val="426353941"/>
       </p:ext>
     </p:extLst>
   </p:cSld>
@@ -25788,11 +27266,18 @@
   <p:transition spd="slow">
     <p:push dir="u"/>
   </p:transition>
+  <p:timing>
+    <p:tnLst>
+      <p:par>
+        <p:cTn id="1" dur="indefinite" restart="never" nodeType="tmRoot"/>
+      </p:par>
+    </p:tnLst>
+  </p:timing>
 </p:sld>
 </file>
 
-<file path=ppt/slides/slide15.xml><?xml version="1.0" encoding="utf-8"?>
-<p:sld xmlns:a="http://schemas.openxmlformats.org/drawingml/2006/main" xmlns:r="http://schemas.openxmlformats.org/officeDocument/2006/relationships" xmlns:p="http://schemas.openxmlformats.org/presentationml/2006/main">
+<file path=ppt/slides/slide17.xml><?xml version="1.0" encoding="utf-8"?>
+<p:sld xmlns:a="http://schemas.openxmlformats.org/drawingml/2006/main" xmlns:r="http://schemas.openxmlformats.org/officeDocument/2006/relationships" xmlns:p="http://schemas.openxmlformats.org/presentationml/2006/main" show="0">
   <p:cSld>
     <p:spTree>
       <p:nvGrpSpPr>
@@ -25835,13 +27320,6 @@
                 <a:spcPct val="90000"/>
               </a:lnSpc>
             </a:pPr>
-            <a:r>
-              <a:rPr lang="zh-TW" altLang="en-US" sz="5400" dirty="0" smtClean="0">
-                <a:latin typeface="Segoe UI" panose="020B0502040204020203" pitchFamily="34" charset="0"/>
-                <a:cs typeface="Segoe UI" panose="020B0502040204020203" pitchFamily="34" charset="0"/>
-              </a:rPr>
-              <a:t>延伸長度 </a:t>
-            </a:r>
             <a:endParaRPr lang="en-US" altLang="zh-TW" sz="5400" dirty="0" smtClean="0">
               <a:latin typeface="Segoe UI" panose="020B0502040204020203" pitchFamily="34" charset="0"/>
               <a:cs typeface="Segoe UI" panose="020B0502040204020203" pitchFamily="34" charset="0"/>
@@ -25858,12 +27336,25 @@
                 <a:latin typeface="Segoe UI" panose="020B0502040204020203" pitchFamily="34" charset="0"/>
                 <a:cs typeface="Segoe UI" panose="020B0502040204020203" pitchFamily="34" charset="0"/>
               </a:rPr>
-              <a:t>簡算法 精算法</a:t>
-            </a:r>
-            <a:endParaRPr lang="fr-FR" sz="5400" dirty="0">
-              <a:latin typeface="Segoe UI" panose="020B0502040204020203" pitchFamily="34" charset="0"/>
-              <a:cs typeface="Segoe UI" panose="020B0502040204020203" pitchFamily="34" charset="0"/>
-            </a:endParaRPr>
+              <a:t>鋼</a:t>
+            </a:r>
+            <a:r>
+              <a:rPr lang="zh-TW" altLang="en-US" sz="5400" dirty="0">
+                <a:latin typeface="Segoe UI" panose="020B0502040204020203" pitchFamily="34" charset="0"/>
+                <a:cs typeface="Segoe UI" panose="020B0502040204020203" pitchFamily="34" charset="0"/>
+              </a:rPr>
+              <a:t>構的 </a:t>
+            </a:r>
+            <a:r>
+              <a:rPr lang="fr-FR" altLang="zh-TW" sz="5400" dirty="0">
+                <a:solidFill>
+                  <a:schemeClr val="accent1"/>
+                </a:solidFill>
+                <a:latin typeface="Segoe UI" panose="020B0502040204020203" pitchFamily="34" charset="0"/>
+                <a:cs typeface="Segoe UI" panose="020B0502040204020203" pitchFamily="34" charset="0"/>
+              </a:rPr>
+              <a:t>PSERCB</a:t>
+            </a:r>
           </a:p>
         </p:txBody>
       </p:sp>
@@ -25876,7 +27367,7 @@
         <p:spPr>
           <a:xfrm>
             <a:off x="1435100" y="3470533"/>
-            <a:ext cx="7213600" cy="1126462"/>
+            <a:ext cx="7213600" cy="2113592"/>
           </a:xfrm>
           <a:prstGeom prst="rect">
             <a:avLst/>
@@ -25899,19 +27390,8 @@
                 <a:latin typeface="Segoe UI Light" panose="020B0502040204020203" pitchFamily="34" charset="0"/>
                 <a:cs typeface="Segoe UI Light" panose="020B0502040204020203" pitchFamily="34" charset="0"/>
               </a:rPr>
-              <a:t>螺紋節鋼筋之直線受拉握裹模型</a:t>
-            </a:r>
-            <a:r>
-              <a:rPr lang="zh-TW" altLang="en-US" sz="2800" dirty="0" smtClean="0">
-                <a:latin typeface="Segoe UI Light" panose="020B0502040204020203" pitchFamily="34" charset="0"/>
-                <a:cs typeface="Segoe UI Light" panose="020B0502040204020203" pitchFamily="34" charset="0"/>
-              </a:rPr>
-              <a:t>研究</a:t>
-            </a:r>
-            <a:endParaRPr lang="en-US" altLang="zh-TW" sz="2800" dirty="0" smtClean="0">
-              <a:latin typeface="Segoe UI Light" panose="020B0502040204020203" pitchFamily="34" charset="0"/>
-              <a:cs typeface="Segoe UI Light" panose="020B0502040204020203" pitchFamily="34" charset="0"/>
-            </a:endParaRPr>
+              <a:t>鋼結構建築物耐震能力初步評估之雲端平台研究與開發</a:t>
+            </a:r>
           </a:p>
           <a:p>
             <a:pPr>
@@ -25924,12 +27404,8 @@
                 <a:latin typeface="Segoe UI Light" panose="020B0502040204020203" pitchFamily="34" charset="0"/>
                 <a:cs typeface="Segoe UI Light" panose="020B0502040204020203" pitchFamily="34" charset="0"/>
               </a:rPr>
-              <a:t>林克強 紀凱甯 邱建國</a:t>
-            </a:r>
-            <a:endParaRPr lang="fr-FR" sz="2800" dirty="0">
-              <a:latin typeface="Segoe UI Light" panose="020B0502040204020203" pitchFamily="34" charset="0"/>
-              <a:cs typeface="Segoe UI Light" panose="020B0502040204020203" pitchFamily="34" charset="0"/>
-            </a:endParaRPr>
+              <a:t>顏志良 盧柏亨 宋裕祺 蔡益超 陳建忠 許家瑋 黃瑞琪</a:t>
+            </a:r>
           </a:p>
         </p:txBody>
       </p:sp>
@@ -25956,7 +27432,7 @@
           <a:p>
             <a:fld id="{6F0746BA-D1AA-4FF4-8D48-BDBC7FF48778}" type="slidenum">
               <a:rPr lang="fr-FR" smtClean="0"/>
-              <a:t>15</a:t>
+              <a:t>17</a:t>
             </a:fld>
             <a:endParaRPr lang="fr-FR"/>
           </a:p>
@@ -25965,7 +27441,7 @@
     </p:spTree>
     <p:extLst>
       <p:ext uri="{BB962C8B-B14F-4D97-AF65-F5344CB8AC3E}">
-        <p14:creationId xmlns:p14="http://schemas.microsoft.com/office/powerpoint/2010/main" val="426353941"/>
+        <p14:creationId xmlns:p14="http://schemas.microsoft.com/office/powerpoint/2010/main" val="2893771549"/>
       </p:ext>
     </p:extLst>
   </p:cSld>
@@ -25975,11 +27451,18 @@
   <p:transition spd="slow">
     <p:push dir="u"/>
   </p:transition>
+  <p:timing>
+    <p:tnLst>
+      <p:par>
+        <p:cTn id="1" dur="indefinite" restart="never" nodeType="tmRoot"/>
+      </p:par>
+    </p:tnLst>
+  </p:timing>
 </p:sld>
 </file>
 
-<file path=ppt/slides/slide16.xml><?xml version="1.0" encoding="utf-8"?>
-<p:sld xmlns:a="http://schemas.openxmlformats.org/drawingml/2006/main" xmlns:r="http://schemas.openxmlformats.org/officeDocument/2006/relationships" xmlns:p="http://schemas.openxmlformats.org/presentationml/2006/main">
+<file path=ppt/slides/slide18.xml><?xml version="1.0" encoding="utf-8"?>
+<p:sld xmlns:a="http://schemas.openxmlformats.org/drawingml/2006/main" xmlns:r="http://schemas.openxmlformats.org/officeDocument/2006/relationships" xmlns:p="http://schemas.openxmlformats.org/presentationml/2006/main" show="0">
   <p:cSld>
     <p:spTree>
       <p:nvGrpSpPr>
@@ -26047,10 +27530,6 @@
               </a:rPr>
               <a:t>Neural Network</a:t>
             </a:r>
-            <a:endParaRPr lang="fr-FR" sz="5400" dirty="0">
-              <a:latin typeface="Segoe UI" panose="020B0502040204020203" pitchFamily="34" charset="0"/>
-              <a:cs typeface="Segoe UI" panose="020B0502040204020203" pitchFamily="34" charset="0"/>
-            </a:endParaRPr>
           </a:p>
         </p:txBody>
       </p:sp>
@@ -26143,7 +27622,7 @@
           <a:p>
             <a:fld id="{6F0746BA-D1AA-4FF4-8D48-BDBC7FF48778}" type="slidenum">
               <a:rPr lang="fr-FR" smtClean="0"/>
-              <a:t>16</a:t>
+              <a:t>18</a:t>
             </a:fld>
             <a:endParaRPr lang="fr-FR"/>
           </a:p>
@@ -26162,6 +27641,13 @@
   <p:transition spd="slow">
     <p:push dir="u"/>
   </p:transition>
+  <p:timing>
+    <p:tnLst>
+      <p:par>
+        <p:cTn id="1" dur="indefinite" restart="never" nodeType="tmRoot"/>
+      </p:par>
+    </p:tnLst>
+  </p:timing>
 </p:sld>
 </file>
 
@@ -28628,7 +30114,7 @@
           <p:nvPr/>
         </p:nvPicPr>
         <p:blipFill>
-          <a:blip r:embed="rId2"/>
+          <a:blip r:embed="rId3"/>
           <a:stretch>
             <a:fillRect/>
           </a:stretch>
@@ -29461,7 +30947,7 @@
                 <a:avLst/>
               </a:prstGeom>
               <a:blipFill>
-                <a:blip r:embed="rId3"/>
+                <a:blip r:embed="rId4"/>
                 <a:stretch>
                   <a:fillRect l="-5928" t="-4641" r="-1804" b="-41772"/>
                 </a:stretch>
@@ -29928,7 +31414,7 @@
           <p:nvPr/>
         </p:nvPicPr>
         <p:blipFill>
-          <a:blip r:embed="rId4">
+          <a:blip r:embed="rId5">
             <a:clrChange>
               <a:clrFrom>
                 <a:srgbClr val="FFFFFF"/>
@@ -30111,7 +31597,7 @@
           <p:nvPr/>
         </p:nvPicPr>
         <p:blipFill>
-          <a:blip r:embed="rId4">
+          <a:blip r:embed="rId5">
             <a:clrChange>
               <a:clrFrom>
                 <a:srgbClr val="FFFFFF"/>
@@ -30198,7 +31684,7 @@
           <p:nvPr/>
         </p:nvPicPr>
         <p:blipFill>
-          <a:blip r:embed="rId5"/>
+          <a:blip r:embed="rId6"/>
           <a:stretch>
             <a:fillRect/>
           </a:stretch>
@@ -30361,7 +31847,7 @@
           <p:nvPr/>
         </p:nvPicPr>
         <p:blipFill>
-          <a:blip r:embed="rId6"/>
+          <a:blip r:embed="rId7"/>
           <a:stretch>
             <a:fillRect/>
           </a:stretch>
@@ -30920,6 +32406,13 @@
       </p:transition>
     </mc:Fallback>
   </mc:AlternateContent>
+  <p:timing>
+    <p:tnLst>
+      <p:par>
+        <p:cTn id="1" dur="indefinite" restart="never" nodeType="tmRoot"/>
+      </p:par>
+    </p:tnLst>
+  </p:timing>
 </p:sld>
 </file>
 
@@ -31390,6 +32883,13 @@
       </p:transition>
     </mc:Fallback>
   </mc:AlternateContent>
+  <p:timing>
+    <p:tnLst>
+      <p:par>
+        <p:cTn id="1" dur="indefinite" restart="never" nodeType="tmRoot"/>
+      </p:par>
+    </p:tnLst>
+  </p:timing>
 </p:sld>
 </file>
 
@@ -31805,17 +33305,7 @@
                 <a:latin typeface="Segoe UI Light" panose="020B0502040204020203" pitchFamily="34" charset="0"/>
                 <a:cs typeface="Segoe UI Light" panose="020B0502040204020203" pitchFamily="34" charset="0"/>
               </a:rPr>
-              <a:t>99</a:t>
-            </a:r>
-            <a:r>
-              <a:rPr lang="en-US" altLang="zh-TW" sz="2400" dirty="0" smtClean="0">
-                <a:solidFill>
-                  <a:schemeClr val="accent1"/>
-                </a:solidFill>
-                <a:latin typeface="Segoe UI Light" panose="020B0502040204020203" pitchFamily="34" charset="0"/>
-                <a:cs typeface="Segoe UI Light" panose="020B0502040204020203" pitchFamily="34" charset="0"/>
-              </a:rPr>
-              <a:t>.2%</a:t>
+              <a:t>99.2%</a:t>
             </a:r>
             <a:endParaRPr lang="zh-TW" altLang="en-US" sz="2400" dirty="0" smtClean="0">
               <a:solidFill>
@@ -31916,6 +33406,13 @@
       </p:transition>
     </mc:Fallback>
   </mc:AlternateContent>
+  <p:timing>
+    <p:tnLst>
+      <p:par>
+        <p:cTn id="1" dur="indefinite" restart="never" nodeType="tmRoot"/>
+      </p:par>
+    </p:tnLst>
+  </p:timing>
 </p:sld>
 </file>
 
@@ -32242,17 +33739,7 @@
                 <a:latin typeface="Segoe UI Light" panose="020B0502040204020203" pitchFamily="34" charset="0"/>
                 <a:cs typeface="Segoe UI Light" panose="020B0502040204020203" pitchFamily="34" charset="0"/>
               </a:rPr>
-              <a:t>96</a:t>
-            </a:r>
-            <a:r>
-              <a:rPr lang="en-US" altLang="zh-TW" sz="2400" dirty="0" smtClean="0">
-                <a:solidFill>
-                  <a:schemeClr val="accent1"/>
-                </a:solidFill>
-                <a:latin typeface="Segoe UI Light" panose="020B0502040204020203" pitchFamily="34" charset="0"/>
-                <a:cs typeface="Segoe UI Light" panose="020B0502040204020203" pitchFamily="34" charset="0"/>
-              </a:rPr>
-              <a:t>.0%</a:t>
+              <a:t>96.0%</a:t>
             </a:r>
             <a:endParaRPr lang="zh-TW" altLang="en-US" sz="2400" dirty="0" smtClean="0">
               <a:solidFill>
@@ -32516,6 +34003,88 @@
           </a:p>
         </p:txBody>
       </p:sp>
+      <p:sp>
+        <p:nvSpPr>
+          <p:cNvPr id="21" name="文字方塊 20"/>
+          <p:cNvSpPr txBox="1"/>
+          <p:nvPr/>
+        </p:nvSpPr>
+        <p:spPr>
+          <a:xfrm>
+            <a:off x="3223089" y="2429039"/>
+            <a:ext cx="614912" cy="360420"/>
+          </a:xfrm>
+          <a:prstGeom prst="rect">
+            <a:avLst/>
+          </a:prstGeom>
+          <a:noFill/>
+        </p:spPr>
+        <p:txBody>
+          <a:bodyPr wrap="none" lIns="0" rtlCol="0" anchor="t">
+            <a:spAutoFit/>
+          </a:bodyPr>
+          <a:lstStyle/>
+          <a:p>
+            <a:pPr algn="l">
+              <a:lnSpc>
+                <a:spcPct val="120000"/>
+              </a:lnSpc>
+            </a:pPr>
+            <a:r>
+              <a:rPr lang="en-US" altLang="zh-TW" sz="1600" dirty="0" smtClean="0">
+                <a:latin typeface="Segoe UI Light" panose="020B0502040204020203" pitchFamily="34" charset="0"/>
+                <a:cs typeface="Segoe UI Light" panose="020B0502040204020203" pitchFamily="34" charset="0"/>
+              </a:rPr>
+              <a:t>96.2%</a:t>
+            </a:r>
+            <a:endParaRPr lang="zh-TW" altLang="en-US" sz="1600" dirty="0" smtClean="0">
+              <a:latin typeface="Segoe UI Light" panose="020B0502040204020203" pitchFamily="34" charset="0"/>
+              <a:cs typeface="Segoe UI Light" panose="020B0502040204020203" pitchFamily="34" charset="0"/>
+            </a:endParaRPr>
+          </a:p>
+        </p:txBody>
+      </p:sp>
+      <p:sp>
+        <p:nvSpPr>
+          <p:cNvPr id="23" name="文字方塊 22"/>
+          <p:cNvSpPr txBox="1"/>
+          <p:nvPr/>
+        </p:nvSpPr>
+        <p:spPr>
+          <a:xfrm>
+            <a:off x="4856988" y="4241105"/>
+            <a:ext cx="614912" cy="360420"/>
+          </a:xfrm>
+          <a:prstGeom prst="rect">
+            <a:avLst/>
+          </a:prstGeom>
+          <a:noFill/>
+        </p:spPr>
+        <p:txBody>
+          <a:bodyPr wrap="none" lIns="0" rtlCol="0" anchor="t">
+            <a:spAutoFit/>
+          </a:bodyPr>
+          <a:lstStyle/>
+          <a:p>
+            <a:pPr algn="l">
+              <a:lnSpc>
+                <a:spcPct val="120000"/>
+              </a:lnSpc>
+            </a:pPr>
+            <a:r>
+              <a:rPr lang="en-US" altLang="zh-TW" sz="1600" dirty="0" smtClean="0">
+                <a:latin typeface="Segoe UI Light" panose="020B0502040204020203" pitchFamily="34" charset="0"/>
+                <a:cs typeface="Segoe UI Light" panose="020B0502040204020203" pitchFamily="34" charset="0"/>
+              </a:rPr>
+              <a:t>99.2%</a:t>
+            </a:r>
+            <a:endParaRPr lang="zh-TW" altLang="en-US" sz="1600" dirty="0" smtClean="0">
+              <a:latin typeface="Segoe UI Light" panose="020B0502040204020203" pitchFamily="34" charset="0"/>
+              <a:cs typeface="Segoe UI Light" panose="020B0502040204020203" pitchFamily="34" charset="0"/>
+            </a:endParaRPr>
+          </a:p>
+        </p:txBody>
+      </p:sp>
     </p:spTree>
     <p:extLst>
       <p:ext uri="{BB962C8B-B14F-4D97-AF65-F5344CB8AC3E}">
@@ -32538,6 +34107,13 @@
       </p:transition>
     </mc:Fallback>
   </mc:AlternateContent>
+  <p:timing>
+    <p:tnLst>
+      <p:par>
+        <p:cTn id="1" dur="indefinite" restart="never" nodeType="tmRoot"/>
+      </p:par>
+    </p:tnLst>
+  </p:timing>
 </p:sld>
 </file>
 
@@ -32835,14 +34411,7 @@
                 <a:latin typeface="Segoe UI Light" panose="020B0502040204020203" pitchFamily="34" charset="0"/>
                 <a:cs typeface="Segoe UI Light" panose="020B0502040204020203" pitchFamily="34" charset="0"/>
               </a:rPr>
-              <a:t>96</a:t>
-            </a:r>
-            <a:r>
-              <a:rPr lang="en-US" altLang="zh-TW" sz="2400" dirty="0" smtClean="0">
-                <a:latin typeface="Segoe UI Light" panose="020B0502040204020203" pitchFamily="34" charset="0"/>
-                <a:cs typeface="Segoe UI Light" panose="020B0502040204020203" pitchFamily="34" charset="0"/>
-              </a:rPr>
-              <a:t>.0%</a:t>
+              <a:t>96.0%</a:t>
             </a:r>
             <a:endParaRPr lang="zh-TW" altLang="en-US" sz="2400" dirty="0" smtClean="0">
               <a:latin typeface="Segoe UI Light" panose="020B0502040204020203" pitchFamily="34" charset="0"/>
@@ -33207,6 +34776,13 @@
       </p:transition>
     </mc:Fallback>
   </mc:AlternateContent>
+  <p:timing>
+    <p:tnLst>
+      <p:par>
+        <p:cTn id="1" dur="indefinite" restart="never" nodeType="tmRoot"/>
+      </p:par>
+    </p:tnLst>
+  </p:timing>
 </p:sld>
 </file>
 
@@ -33781,6 +35357,15 @@
 </file>
 
 <file path=customXml/item1.xml><?xml version="1.0" encoding="utf-8"?>
+<?mso-contentType ?>
+<FormTemplates xmlns="http://schemas.microsoft.com/sharepoint/v3/contenttype/forms">
+  <Display>DocumentLibraryForm</Display>
+  <Edit>DocumentLibraryForm</Edit>
+  <New>DocumentLibraryForm</New>
+</FormTemplates>
+</file>
+
+<file path=customXml/item2.xml><?xml version="1.0" encoding="utf-8"?>
 <ct:contentTypeSchema xmlns:ct="http://schemas.microsoft.com/office/2006/metadata/contentType" xmlns:ma="http://schemas.microsoft.com/office/2006/metadata/properties/metaAttributes" ct:_="" ma:_="" ma:contentTypeName="Document" ma:contentTypeID="0x01010005FA520563873D4EB8CBD5344A351BEB" ma:contentTypeVersion="0" ma:contentTypeDescription="Crée un document." ma:contentTypeScope="" ma:versionID="005ce72954985de94fc750614f2007cc">
   <xsd:schema xmlns:xsd="http://www.w3.org/2001/XMLSchema" xmlns:xs="http://www.w3.org/2001/XMLSchema" xmlns:p="http://schemas.microsoft.com/office/2006/metadata/properties" targetNamespace="http://schemas.microsoft.com/office/2006/metadata/properties" ma:root="true" ma:fieldsID="36883d0f3030e52908f9a4448a35c02a">
     <xsd:element name="properties">
@@ -33894,15 +35479,6 @@
 </ct:contentTypeSchema>
 </file>
 
-<file path=customXml/item2.xml><?xml version="1.0" encoding="utf-8"?>
-<?mso-contentType ?>
-<FormTemplates xmlns="http://schemas.microsoft.com/sharepoint/v3/contenttype/forms">
-  <Display>DocumentLibraryForm</Display>
-  <Edit>DocumentLibraryForm</Edit>
-  <New>DocumentLibraryForm</New>
-</FormTemplates>
-</file>
-
 <file path=customXml/item3.xml><?xml version="1.0" encoding="utf-8"?>
 <p:properties xmlns:p="http://schemas.microsoft.com/office/2006/metadata/properties" xmlns:xsi="http://www.w3.org/2001/XMLSchema-instance" xmlns:pc="http://schemas.microsoft.com/office/infopath/2007/PartnerControls">
   <documentManagement/>
@@ -33910,6 +35486,14 @@
 </file>
 
 <file path=customXml/itemProps1.xml><?xml version="1.0" encoding="utf-8"?>
+<ds:datastoreItem xmlns:ds="http://schemas.openxmlformats.org/officeDocument/2006/customXml" ds:itemID="{95457E87-E546-449E-A4D1-371201992E58}">
+  <ds:schemaRefs>
+    <ds:schemaRef ds:uri="http://schemas.microsoft.com/sharepoint/v3/contenttype/forms"/>
+  </ds:schemaRefs>
+</ds:datastoreItem>
+</file>
+
+<file path=customXml/itemProps2.xml><?xml version="1.0" encoding="utf-8"?>
 <ds:datastoreItem xmlns:ds="http://schemas.openxmlformats.org/officeDocument/2006/customXml" ds:itemID="{FF14EDAB-351E-4851-B148-260C81C296AA}">
   <ds:schemaRefs>
     <ds:schemaRef ds:uri="http://schemas.microsoft.com/office/2006/metadata/contentType"/>
@@ -33921,14 +35505,6 @@
     <ds:schemaRef ds:uri="http://purl.org/dc/terms/"/>
     <ds:schemaRef ds:uri="http://schemas.microsoft.com/internal/obd"/>
     <ds:schemaRef ds:uri="http://schemas.microsoft.com/office/infopath/2007/PartnerControls"/>
-  </ds:schemaRefs>
-</ds:datastoreItem>
-</file>
-
-<file path=customXml/itemProps2.xml><?xml version="1.0" encoding="utf-8"?>
-<ds:datastoreItem xmlns:ds="http://schemas.openxmlformats.org/officeDocument/2006/customXml" ds:itemID="{95457E87-E546-449E-A4D1-371201992E58}">
-  <ds:schemaRefs>
-    <ds:schemaRef ds:uri="http://schemas.microsoft.com/sharepoint/v3/contenttype/forms"/>
   </ds:schemaRefs>
 </ds:datastoreItem>
 </file>
